--- a/docs/Lectures/Week07/Week7_RegressionCriticism.pptx
+++ b/docs/Lectures/Week07/Week7_RegressionCriticism.pptx
@@ -6,40 +6,41 @@
     <p:sldMasterId id="2147483686" r:id="rId5"/>
   </p:sldMasterIdLst>
   <p:notesMasterIdLst>
-    <p:notesMasterId r:id="rId37"/>
+    <p:notesMasterId r:id="rId38"/>
   </p:notesMasterIdLst>
   <p:sldIdLst>
     <p:sldId id="256" r:id="rId6"/>
-    <p:sldId id="323" r:id="rId7"/>
-    <p:sldId id="903" r:id="rId8"/>
-    <p:sldId id="920" r:id="rId9"/>
-    <p:sldId id="905" r:id="rId10"/>
-    <p:sldId id="906" r:id="rId11"/>
-    <p:sldId id="926" r:id="rId12"/>
-    <p:sldId id="927" r:id="rId13"/>
-    <p:sldId id="918" r:id="rId14"/>
-    <p:sldId id="910" r:id="rId15"/>
-    <p:sldId id="922" r:id="rId16"/>
-    <p:sldId id="923" r:id="rId17"/>
-    <p:sldId id="928" r:id="rId18"/>
-    <p:sldId id="944" r:id="rId19"/>
-    <p:sldId id="945" r:id="rId20"/>
-    <p:sldId id="929" r:id="rId21"/>
-    <p:sldId id="931" r:id="rId22"/>
-    <p:sldId id="949" r:id="rId23"/>
-    <p:sldId id="930" r:id="rId24"/>
-    <p:sldId id="933" r:id="rId25"/>
-    <p:sldId id="934" r:id="rId26"/>
-    <p:sldId id="932" r:id="rId27"/>
-    <p:sldId id="946" r:id="rId28"/>
-    <p:sldId id="947" r:id="rId29"/>
-    <p:sldId id="948" r:id="rId30"/>
-    <p:sldId id="935" r:id="rId31"/>
-    <p:sldId id="936" r:id="rId32"/>
-    <p:sldId id="938" r:id="rId33"/>
-    <p:sldId id="939" r:id="rId34"/>
-    <p:sldId id="940" r:id="rId35"/>
-    <p:sldId id="265" r:id="rId36"/>
+    <p:sldId id="950" r:id="rId7"/>
+    <p:sldId id="323" r:id="rId8"/>
+    <p:sldId id="903" r:id="rId9"/>
+    <p:sldId id="920" r:id="rId10"/>
+    <p:sldId id="905" r:id="rId11"/>
+    <p:sldId id="906" r:id="rId12"/>
+    <p:sldId id="926" r:id="rId13"/>
+    <p:sldId id="927" r:id="rId14"/>
+    <p:sldId id="918" r:id="rId15"/>
+    <p:sldId id="910" r:id="rId16"/>
+    <p:sldId id="922" r:id="rId17"/>
+    <p:sldId id="923" r:id="rId18"/>
+    <p:sldId id="928" r:id="rId19"/>
+    <p:sldId id="944" r:id="rId20"/>
+    <p:sldId id="945" r:id="rId21"/>
+    <p:sldId id="929" r:id="rId22"/>
+    <p:sldId id="931" r:id="rId23"/>
+    <p:sldId id="949" r:id="rId24"/>
+    <p:sldId id="930" r:id="rId25"/>
+    <p:sldId id="933" r:id="rId26"/>
+    <p:sldId id="934" r:id="rId27"/>
+    <p:sldId id="932" r:id="rId28"/>
+    <p:sldId id="946" r:id="rId29"/>
+    <p:sldId id="947" r:id="rId30"/>
+    <p:sldId id="948" r:id="rId31"/>
+    <p:sldId id="935" r:id="rId32"/>
+    <p:sldId id="936" r:id="rId33"/>
+    <p:sldId id="938" r:id="rId34"/>
+    <p:sldId id="939" r:id="rId35"/>
+    <p:sldId id="940" r:id="rId36"/>
+    <p:sldId id="265" r:id="rId37"/>
   </p:sldIdLst>
   <p:sldSz cx="12192000" cy="6858000"/>
   <p:notesSz cx="6858000" cy="9144000"/>
@@ -601,7 +602,7 @@
           <a:p>
             <a:fld id="{CB7B42E0-62EF-42B0-8031-05992D750B6D}" type="slidenum">
               <a:rPr lang="en-US" smtClean="0"/>
-              <a:t>4</a:t>
+              <a:t>5</a:t>
             </a:fld>
             <a:endParaRPr lang="en-US"/>
           </a:p>
@@ -8241,7 +8242,7 @@
                 <a16:creationId xmlns:a16="http://schemas.microsoft.com/office/drawing/2014/main" id="{875485B9-8EE1-447A-9C08-F7D6B532A8CF}"/>
               </a:ext>
               <a:ext uri="{C183D7F6-B498-43B3-948B-1728B52AA6E4}">
-                <adec:decorative xmlns:adec="http://schemas.microsoft.com/office/drawing/2017/decorative" xmlns="" val="1"/>
+                <adec:decorative xmlns="" xmlns:adec="http://schemas.microsoft.com/office/drawing/2017/decorative" val="1"/>
               </a:ext>
             </a:extLst>
           </p:cNvPr>
@@ -8330,7 +8331,7 @@
                 <a16:creationId xmlns:a16="http://schemas.microsoft.com/office/drawing/2014/main" id="{B963707F-B98C-4143-AFCF-D6B56C975C5A}"/>
               </a:ext>
               <a:ext uri="{C183D7F6-B498-43B3-948B-1728B52AA6E4}">
-                <adec:decorative xmlns:adec="http://schemas.microsoft.com/office/drawing/2017/decorative" xmlns="" val="1"/>
+                <adec:decorative xmlns="" xmlns:adec="http://schemas.microsoft.com/office/drawing/2017/decorative" val="1"/>
               </a:ext>
             </a:extLst>
           </p:cNvPr>
@@ -8391,7 +8392,7 @@
                 <a16:creationId xmlns:a16="http://schemas.microsoft.com/office/drawing/2014/main" id="{88D2DFBB-460D-4ECB-BD76-509C99DAD65A}"/>
               </a:ext>
               <a:ext uri="{C183D7F6-B498-43B3-948B-1728B52AA6E4}">
-                <adec:decorative xmlns:adec="http://schemas.microsoft.com/office/drawing/2017/decorative" xmlns="" val="1"/>
+                <adec:decorative xmlns="" xmlns:adec="http://schemas.microsoft.com/office/drawing/2017/decorative" val="1"/>
               </a:ext>
             </a:extLst>
           </p:cNvPr>
@@ -8621,6 +8622,739 @@
           <a:chExt cx="0" cy="0"/>
         </a:xfrm>
       </p:grpSpPr>
+      <p:pic>
+        <p:nvPicPr>
+          <p:cNvPr id="9" name="Picture 8">
+            <a:extLst>
+              <a:ext uri="{FF2B5EF4-FFF2-40B4-BE49-F238E27FC236}">
+                <a16:creationId xmlns:a16="http://schemas.microsoft.com/office/drawing/2014/main" id="{EBAC1E63-27B9-3DA1-480A-BB38BF0FE05D}"/>
+              </a:ext>
+            </a:extLst>
+          </p:cNvPr>
+          <p:cNvPicPr>
+            <a:picLocks noChangeAspect="1"/>
+          </p:cNvPicPr>
+          <p:nvPr/>
+        </p:nvPicPr>
+        <p:blipFill>
+          <a:blip r:embed="rId2"/>
+          <a:srcRect b="5732"/>
+          <a:stretch/>
+        </p:blipFill>
+        <p:spPr>
+          <a:xfrm>
+            <a:off x="5994100" y="1359089"/>
+            <a:ext cx="6081099" cy="4305054"/>
+          </a:xfrm>
+          <a:prstGeom prst="rect">
+            <a:avLst/>
+          </a:prstGeom>
+        </p:spPr>
+      </p:pic>
+      <p:sp>
+        <p:nvSpPr>
+          <p:cNvPr id="4" name="Title 1">
+            <a:extLst>
+              <a:ext uri="{FF2B5EF4-FFF2-40B4-BE49-F238E27FC236}">
+                <a16:creationId xmlns:a16="http://schemas.microsoft.com/office/drawing/2014/main" id="{D787F118-7CDF-90F2-C770-85E59D1B7022}"/>
+              </a:ext>
+            </a:extLst>
+          </p:cNvPr>
+          <p:cNvSpPr txBox="1">
+            <a:spLocks/>
+          </p:cNvSpPr>
+          <p:nvPr/>
+        </p:nvSpPr>
+        <p:spPr>
+          <a:xfrm>
+            <a:off x="581192" y="702156"/>
+            <a:ext cx="11029616" cy="551680"/>
+          </a:xfrm>
+          <a:prstGeom prst="rect">
+            <a:avLst/>
+          </a:prstGeom>
+        </p:spPr>
+        <p:txBody>
+          <a:bodyPr vert="horz" lIns="91440" tIns="45720" rIns="91440" bIns="45720" rtlCol="0" anchor="b">
+            <a:normAutofit fontScale="77500" lnSpcReduction="20000"/>
+          </a:bodyPr>
+          <a:lstStyle>
+            <a:lvl1pPr algn="l" defTabSz="457200" rtl="0" eaLnBrk="1" latinLnBrk="0" hangingPunct="1">
+              <a:lnSpc>
+                <a:spcPct val="100000"/>
+              </a:lnSpc>
+              <a:spcBef>
+                <a:spcPct val="0"/>
+              </a:spcBef>
+              <a:buNone/>
+              <a:defRPr sz="2800" b="0" kern="1200" cap="all">
+                <a:solidFill>
+                  <a:schemeClr val="tx1">
+                    <a:lumMod val="75000"/>
+                    <a:lumOff val="25000"/>
+                  </a:schemeClr>
+                </a:solidFill>
+                <a:latin typeface="+mj-lt"/>
+                <a:ea typeface="+mj-ea"/>
+                <a:cs typeface="+mj-cs"/>
+              </a:defRPr>
+            </a:lvl1pPr>
+            <a:lvl2pPr eaLnBrk="1" hangingPunct="1">
+              <a:defRPr>
+                <a:solidFill>
+                  <a:schemeClr val="tx2"/>
+                </a:solidFill>
+              </a:defRPr>
+            </a:lvl2pPr>
+            <a:lvl3pPr eaLnBrk="1" hangingPunct="1">
+              <a:defRPr>
+                <a:solidFill>
+                  <a:schemeClr val="tx2"/>
+                </a:solidFill>
+              </a:defRPr>
+            </a:lvl3pPr>
+            <a:lvl4pPr eaLnBrk="1" hangingPunct="1">
+              <a:defRPr>
+                <a:solidFill>
+                  <a:schemeClr val="tx2"/>
+                </a:solidFill>
+              </a:defRPr>
+            </a:lvl4pPr>
+            <a:lvl5pPr eaLnBrk="1" hangingPunct="1">
+              <a:defRPr>
+                <a:solidFill>
+                  <a:schemeClr val="tx2"/>
+                </a:solidFill>
+              </a:defRPr>
+            </a:lvl5pPr>
+            <a:lvl6pPr eaLnBrk="1" hangingPunct="1">
+              <a:defRPr>
+                <a:solidFill>
+                  <a:schemeClr val="tx2"/>
+                </a:solidFill>
+              </a:defRPr>
+            </a:lvl6pPr>
+            <a:lvl7pPr eaLnBrk="1" hangingPunct="1">
+              <a:defRPr>
+                <a:solidFill>
+                  <a:schemeClr val="tx2"/>
+                </a:solidFill>
+              </a:defRPr>
+            </a:lvl7pPr>
+            <a:lvl8pPr eaLnBrk="1" hangingPunct="1">
+              <a:defRPr>
+                <a:solidFill>
+                  <a:schemeClr val="tx2"/>
+                </a:solidFill>
+              </a:defRPr>
+            </a:lvl8pPr>
+            <a:lvl9pPr eaLnBrk="1" hangingPunct="1">
+              <a:defRPr>
+                <a:solidFill>
+                  <a:schemeClr val="tx2"/>
+                </a:solidFill>
+              </a:defRPr>
+            </a:lvl9pPr>
+          </a:lstStyle>
+          <a:p>
+            <a:pPr>
+              <a:lnSpc>
+                <a:spcPct val="150000"/>
+              </a:lnSpc>
+            </a:pPr>
+            <a:r>
+              <a:rPr lang="en-US" altLang="zh-CN" dirty="0" smtClean="0"/>
+              <a:t>ASSUMPTION: Homoscedasticity</a:t>
+            </a:r>
+            <a:endParaRPr lang="en-US" altLang="zh-CN" dirty="0"/>
+          </a:p>
+        </p:txBody>
+      </p:sp>
+      <mc:AlternateContent xmlns:mc="http://schemas.openxmlformats.org/markup-compatibility/2006" xmlns:a14="http://schemas.microsoft.com/office/drawing/2010/main">
+        <mc:Choice Requires="a14">
+          <p:sp>
+            <p:nvSpPr>
+              <p:cNvPr id="5" name="TextBox 4">
+                <a:extLst>
+                  <a:ext uri="{FF2B5EF4-FFF2-40B4-BE49-F238E27FC236}">
+                    <a16:creationId xmlns:a16="http://schemas.microsoft.com/office/drawing/2014/main" id="{2907EF87-BCF5-6550-6E80-B25243304602}"/>
+                  </a:ext>
+                </a:extLst>
+              </p:cNvPr>
+              <p:cNvSpPr txBox="1"/>
+              <p:nvPr/>
+            </p:nvSpPr>
+            <p:spPr>
+              <a:xfrm>
+                <a:off x="242701" y="3915540"/>
+                <a:ext cx="6081099" cy="2354491"/>
+              </a:xfrm>
+              <a:prstGeom prst="rect">
+                <a:avLst/>
+              </a:prstGeom>
+              <a:noFill/>
+            </p:spPr>
+            <p:txBody>
+              <a:bodyPr wrap="square">
+                <a:spAutoFit/>
+              </a:bodyPr>
+              <a:lstStyle/>
+              <a:p>
+                <a:pPr marL="306000" indent="-306000">
+                  <a:spcBef>
+                    <a:spcPct val="20000"/>
+                  </a:spcBef>
+                  <a:spcAft>
+                    <a:spcPts val="600"/>
+                  </a:spcAft>
+                  <a:buClr>
+                    <a:schemeClr val="accent1"/>
+                  </a:buClr>
+                  <a:buSzPct val="92000"/>
+                  <a:buFont typeface="Wingdings 2" panose="05020102010507070707" pitchFamily="18" charset="2"/>
+                  <a:buChar char=""/>
+                </a:pPr>
+                <a:r>
+                  <a:rPr lang="en-US" sz="2000" b="1" i="0" u="none" strike="noStrike" baseline="0" dirty="0">
+                    <a:solidFill>
+                      <a:srgbClr val="365F91"/>
+                    </a:solidFill>
+                    <a:latin typeface="+mn-ea"/>
+                  </a:rPr>
+                  <a:t>Residuals versus Predicted Y Plots </a:t>
+                </a:r>
+              </a:p>
+              <a:p>
+                <a:pPr marL="306000" indent="-306000">
+                  <a:spcBef>
+                    <a:spcPct val="20000"/>
+                  </a:spcBef>
+                  <a:spcAft>
+                    <a:spcPts val="600"/>
+                  </a:spcAft>
+                  <a:buClr>
+                    <a:schemeClr val="accent1"/>
+                  </a:buClr>
+                  <a:buSzPct val="92000"/>
+                  <a:buFont typeface="Wingdings 2" panose="05020102010507070707" pitchFamily="18" charset="2"/>
+                  <a:buChar char=""/>
+                </a:pPr>
+                <a:r>
+                  <a:rPr lang="en-US" altLang="zh-CN" sz="2000" dirty="0">
+                    <a:latin typeface="+mn-ea"/>
+                  </a:rPr>
+                  <a:t>If data do </a:t>
+                </a:r>
+                <a:r>
+                  <a:rPr lang="en-US" altLang="zh-CN" sz="2000" dirty="0" smtClean="0">
+                    <a:latin typeface="+mn-ea"/>
+                  </a:rPr>
+                  <a:t>violate </a:t>
+                </a:r>
+                <a:r>
+                  <a:rPr lang="en-US" altLang="zh-CN" sz="2000" dirty="0">
+                    <a:latin typeface="+mn-ea"/>
+                  </a:rPr>
+                  <a:t>assumptions :</a:t>
+                </a:r>
+                <a:endParaRPr lang="en-US" sz="2000" b="1" i="0" u="none" strike="noStrike" baseline="0" dirty="0">
+                  <a:solidFill>
+                    <a:srgbClr val="365F91"/>
+                  </a:solidFill>
+                  <a:latin typeface="+mn-ea"/>
+                </a:endParaRPr>
+              </a:p>
+              <a:p>
+                <a:pPr marL="763200" lvl="1" indent="-306000">
+                  <a:spcBef>
+                    <a:spcPct val="20000"/>
+                  </a:spcBef>
+                  <a:spcAft>
+                    <a:spcPts val="600"/>
+                  </a:spcAft>
+                  <a:buClr>
+                    <a:schemeClr val="accent1"/>
+                  </a:buClr>
+                  <a:buSzPct val="92000"/>
+                  <a:buFont typeface="Wingdings 2" panose="05020102010507070707" pitchFamily="18" charset="2"/>
+                  <a:buChar char=""/>
+                </a:pPr>
+                <a:r>
+                  <a:rPr lang="en-US" sz="2000" dirty="0">
+                    <a:solidFill>
+                      <a:schemeClr val="tx1">
+                        <a:lumMod val="75000"/>
+                        <a:lumOff val="25000"/>
+                      </a:schemeClr>
+                    </a:solidFill>
+                    <a:sym typeface="Rambla"/>
+                  </a:rPr>
+                  <a:t>The variance of the error term (</a:t>
+                </a:r>
+                <a14:m>
+                  <m:oMath xmlns:m="http://schemas.openxmlformats.org/officeDocument/2006/math">
+                    <m:sSub>
+                      <m:sSubPr>
+                        <m:ctrlPr>
+                          <a:rPr lang="en-US" sz="2000" i="1">
+                            <a:solidFill>
+                              <a:schemeClr val="tx1">
+                                <a:lumMod val="75000"/>
+                                <a:lumOff val="25000"/>
+                              </a:schemeClr>
+                            </a:solidFill>
+                            <a:latin typeface="Cambria Math" panose="02040503050406030204" pitchFamily="18" charset="0"/>
+                            <a:ea typeface="Cambria Math" panose="02040503050406030204" pitchFamily="18" charset="0"/>
+                            <a:sym typeface="Rambla"/>
+                          </a:rPr>
+                        </m:ctrlPr>
+                      </m:sSubPr>
+                      <m:e>
+                        <m:r>
+                          <a:rPr lang="en-US" sz="2000" i="1">
+                            <a:solidFill>
+                              <a:schemeClr val="tx1">
+                                <a:lumMod val="75000"/>
+                                <a:lumOff val="25000"/>
+                              </a:schemeClr>
+                            </a:solidFill>
+                            <a:latin typeface="Cambria Math" panose="02040503050406030204" pitchFamily="18" charset="0"/>
+                            <a:ea typeface="Cambria Math" panose="02040503050406030204" pitchFamily="18" charset="0"/>
+                            <a:sym typeface="Rambla"/>
+                          </a:rPr>
+                          <m:t>𝜀</m:t>
+                        </m:r>
+                      </m:e>
+                      <m:sub>
+                        <m:r>
+                          <a:rPr lang="en-US" sz="2000" i="1">
+                            <a:solidFill>
+                              <a:schemeClr val="tx1">
+                                <a:lumMod val="75000"/>
+                                <a:lumOff val="25000"/>
+                              </a:schemeClr>
+                            </a:solidFill>
+                            <a:latin typeface="Cambria Math" panose="02040503050406030204" pitchFamily="18" charset="0"/>
+                            <a:ea typeface="Cambria Math" panose="02040503050406030204" pitchFamily="18" charset="0"/>
+                            <a:sym typeface="Rambla"/>
+                          </a:rPr>
+                          <m:t>𝑖</m:t>
+                        </m:r>
+                      </m:sub>
+                    </m:sSub>
+                  </m:oMath>
+                </a14:m>
+                <a:r>
+                  <a:rPr lang="en-US" sz="2000" dirty="0">
+                    <a:solidFill>
+                      <a:schemeClr val="tx1">
+                        <a:lumMod val="75000"/>
+                        <a:lumOff val="25000"/>
+                      </a:schemeClr>
+                    </a:solidFill>
+                    <a:sym typeface="Rambla"/>
+                  </a:rPr>
+                  <a:t>) is not constant across observations</a:t>
+                </a:r>
+              </a:p>
+              <a:p>
+                <a:pPr marL="763200" lvl="1" indent="-306000">
+                  <a:spcBef>
+                    <a:spcPct val="20000"/>
+                  </a:spcBef>
+                  <a:spcAft>
+                    <a:spcPts val="600"/>
+                  </a:spcAft>
+                  <a:buClr>
+                    <a:schemeClr val="accent1"/>
+                  </a:buClr>
+                  <a:buSzPct val="92000"/>
+                  <a:buFont typeface="Wingdings 2" panose="05020102010507070707" pitchFamily="18" charset="2"/>
+                  <a:buChar char=""/>
+                </a:pPr>
+                <a:r>
+                  <a:rPr lang="en-US" sz="2000" dirty="0">
+                    <a:solidFill>
+                      <a:schemeClr val="tx1">
+                        <a:lumMod val="75000"/>
+                        <a:lumOff val="25000"/>
+                      </a:schemeClr>
+                    </a:solidFill>
+                    <a:sym typeface="Rambla"/>
+                  </a:rPr>
+                  <a:t>Look for a “fan” or “cone” shape </a:t>
+                </a:r>
+                <a:r>
+                  <a:rPr lang="en-US" altLang="zh-CN" sz="2000" dirty="0">
+                    <a:solidFill>
+                      <a:schemeClr val="tx1">
+                        <a:lumMod val="75000"/>
+                        <a:lumOff val="25000"/>
+                      </a:schemeClr>
+                    </a:solidFill>
+                    <a:sym typeface="Rambla"/>
+                  </a:rPr>
+                  <a:t>in Residual vs. Predicted Values Plot</a:t>
+                </a:r>
+              </a:p>
+            </p:txBody>
+          </p:sp>
+        </mc:Choice>
+        <mc:Fallback xmlns="">
+          <p:sp>
+            <p:nvSpPr>
+              <p:cNvPr id="5" name="TextBox 4">
+                <a:extLst>
+                  <a:ext uri="{FF2B5EF4-FFF2-40B4-BE49-F238E27FC236}">
+                    <a16:creationId xmlns:a16="http://schemas.microsoft.com/office/drawing/2014/main" id="{2907EF87-BCF5-6550-6E80-B25243304602}"/>
+                  </a:ext>
+                </a:extLst>
+              </p:cNvPr>
+              <p:cNvSpPr txBox="1">
+                <a:spLocks noRot="1" noChangeAspect="1" noMove="1" noResize="1" noEditPoints="1" noAdjustHandles="1" noChangeArrowheads="1" noChangeShapeType="1" noTextEdit="1"/>
+              </p:cNvSpPr>
+              <p:nvPr/>
+            </p:nvSpPr>
+            <p:spPr>
+              <a:xfrm>
+                <a:off x="242701" y="3915540"/>
+                <a:ext cx="6081099" cy="2354491"/>
+              </a:xfrm>
+              <a:prstGeom prst="rect">
+                <a:avLst/>
+              </a:prstGeom>
+              <a:blipFill>
+                <a:blip r:embed="rId3"/>
+                <a:stretch>
+                  <a:fillRect l="-602" t="-1034" r="-1505" b="-3618"/>
+                </a:stretch>
+              </a:blipFill>
+            </p:spPr>
+            <p:txBody>
+              <a:bodyPr/>
+              <a:lstStyle/>
+              <a:p>
+                <a:r>
+                  <a:rPr lang="en-US">
+                    <a:noFill/>
+                  </a:rPr>
+                  <a:t> </a:t>
+                </a:r>
+              </a:p>
+            </p:txBody>
+          </p:sp>
+        </mc:Fallback>
+      </mc:AlternateContent>
+      <mc:AlternateContent xmlns:mc="http://schemas.openxmlformats.org/markup-compatibility/2006" xmlns:a14="http://schemas.microsoft.com/office/drawing/2010/main">
+        <mc:Choice Requires="a14">
+          <p:sp>
+            <p:nvSpPr>
+              <p:cNvPr id="3" name="TextBox 2">
+                <a:extLst>
+                  <a:ext uri="{FF2B5EF4-FFF2-40B4-BE49-F238E27FC236}">
+                    <a16:creationId xmlns:a16="http://schemas.microsoft.com/office/drawing/2014/main" id="{0B560BF3-0DD1-5905-BD6F-FDABBA9E8A44}"/>
+                  </a:ext>
+                </a:extLst>
+              </p:cNvPr>
+              <p:cNvSpPr txBox="1"/>
+              <p:nvPr/>
+            </p:nvSpPr>
+            <p:spPr>
+              <a:xfrm>
+                <a:off x="581192" y="1474287"/>
+                <a:ext cx="6094476" cy="879664"/>
+              </a:xfrm>
+              <a:prstGeom prst="rect">
+                <a:avLst/>
+              </a:prstGeom>
+              <a:noFill/>
+            </p:spPr>
+            <p:txBody>
+              <a:bodyPr wrap="square">
+                <a:spAutoFit/>
+              </a:bodyPr>
+              <a:lstStyle/>
+              <a:p>
+                <a:pPr marL="285750" indent="-285750">
+                  <a:lnSpc>
+                    <a:spcPct val="150000"/>
+                  </a:lnSpc>
+                  <a:buFont typeface="Arial" panose="020B0604020202020204" pitchFamily="34" charset="0"/>
+                  <a:buChar char="•"/>
+                </a:pPr>
+                <a:r>
+                  <a:rPr lang="en-US" altLang="zh-CN" dirty="0" smtClean="0"/>
+                  <a:t>Homoscedasticity:</a:t>
+                </a:r>
+                <a14:m>
+                  <m:oMath xmlns:m="http://schemas.openxmlformats.org/officeDocument/2006/math">
+                    <m:r>
+                      <a:rPr lang="en-US" altLang="zh-CN" b="0" i="0" smtClean="0">
+                        <a:latin typeface="Cambria Math" panose="02040503050406030204" pitchFamily="18" charset="0"/>
+                      </a:rPr>
+                      <m:t>    </m:t>
+                    </m:r>
+                    <m:r>
+                      <a:rPr lang="en-US" altLang="zh-CN" b="0" i="1" smtClean="0">
+                        <a:latin typeface="Cambria Math" panose="02040503050406030204" pitchFamily="18" charset="0"/>
+                      </a:rPr>
+                      <m:t>𝑉𝑎𝑟</m:t>
+                    </m:r>
+                    <m:d>
+                      <m:dPr>
+                        <m:ctrlPr>
+                          <a:rPr lang="en-US" altLang="zh-CN" b="0" i="1" smtClean="0">
+                            <a:latin typeface="Cambria Math" panose="02040503050406030204" pitchFamily="18" charset="0"/>
+                          </a:rPr>
+                        </m:ctrlPr>
+                      </m:dPr>
+                      <m:e>
+                        <m:r>
+                          <a:rPr lang="en-US" altLang="zh-CN" b="0" i="1" smtClean="0">
+                            <a:latin typeface="Cambria Math" panose="02040503050406030204" pitchFamily="18" charset="0"/>
+                            <a:ea typeface="Cambria Math" panose="02040503050406030204" pitchFamily="18" charset="0"/>
+                          </a:rPr>
+                          <m:t>𝜀</m:t>
+                        </m:r>
+                      </m:e>
+                    </m:d>
+                    <m:r>
+                      <a:rPr lang="en-US" altLang="zh-CN" b="0" i="1" smtClean="0">
+                        <a:latin typeface="Cambria Math" panose="02040503050406030204" pitchFamily="18" charset="0"/>
+                      </a:rPr>
+                      <m:t>=</m:t>
+                    </m:r>
+                    <m:r>
+                      <a:rPr lang="en-US" altLang="zh-CN" b="0" i="1" smtClean="0">
+                        <a:latin typeface="Cambria Math" panose="02040503050406030204" pitchFamily="18" charset="0"/>
+                      </a:rPr>
+                      <m:t>𝑐</m:t>
+                    </m:r>
+                    <m:r>
+                      <a:rPr lang="en-US" altLang="zh-CN" b="0" i="0" smtClean="0">
+                        <a:latin typeface="Cambria Math" panose="02040503050406030204" pitchFamily="18" charset="0"/>
+                      </a:rPr>
+                      <m:t> </m:t>
+                    </m:r>
+                    <m:d>
+                      <m:dPr>
+                        <m:ctrlPr>
+                          <a:rPr lang="en-US" altLang="zh-CN" b="0" i="1" smtClean="0">
+                            <a:latin typeface="Cambria Math" panose="02040503050406030204" pitchFamily="18" charset="0"/>
+                          </a:rPr>
+                        </m:ctrlPr>
+                      </m:dPr>
+                      <m:e>
+                        <m:r>
+                          <m:rPr>
+                            <m:sty m:val="p"/>
+                          </m:rPr>
+                          <a:rPr lang="en-US" altLang="zh-CN" b="0" i="0" smtClean="0">
+                            <a:latin typeface="Cambria Math" panose="02040503050406030204" pitchFamily="18" charset="0"/>
+                          </a:rPr>
+                          <m:t>constant</m:t>
+                        </m:r>
+                      </m:e>
+                    </m:d>
+                  </m:oMath>
+                </a14:m>
+                <a:endParaRPr lang="en-US" altLang="zh-CN" b="0" dirty="0" smtClean="0"/>
+              </a:p>
+              <a:p>
+                <a:pPr marL="285750" indent="-285750">
+                  <a:lnSpc>
+                    <a:spcPct val="150000"/>
+                  </a:lnSpc>
+                  <a:buFont typeface="Arial" panose="020B0604020202020204" pitchFamily="34" charset="0"/>
+                  <a:buChar char="•"/>
+                </a:pPr>
+                <a:r>
+                  <a:rPr lang="en-US" altLang="zh-CN" dirty="0" smtClean="0"/>
+                  <a:t>Heteroscedasticity: </a:t>
+                </a:r>
+                <a14:m>
+                  <m:oMath xmlns:m="http://schemas.openxmlformats.org/officeDocument/2006/math">
+                    <m:r>
+                      <a:rPr lang="en-US" altLang="zh-CN" b="0" i="0" smtClean="0">
+                        <a:latin typeface="Cambria Math" panose="02040503050406030204" pitchFamily="18" charset="0"/>
+                      </a:rPr>
+                      <m:t> </m:t>
+                    </m:r>
+                    <m:r>
+                      <a:rPr lang="en-US" altLang="zh-CN" i="1">
+                        <a:latin typeface="Cambria Math" panose="02040503050406030204" pitchFamily="18" charset="0"/>
+                      </a:rPr>
+                      <m:t>𝑉𝑎𝑟</m:t>
+                    </m:r>
+                    <m:d>
+                      <m:dPr>
+                        <m:ctrlPr>
+                          <a:rPr lang="en-US" altLang="zh-CN" i="1">
+                            <a:latin typeface="Cambria Math" panose="02040503050406030204" pitchFamily="18" charset="0"/>
+                          </a:rPr>
+                        </m:ctrlPr>
+                      </m:dPr>
+                      <m:e>
+                        <m:r>
+                          <a:rPr lang="en-US" altLang="zh-CN" i="1">
+                            <a:latin typeface="Cambria Math" panose="02040503050406030204" pitchFamily="18" charset="0"/>
+                            <a:ea typeface="Cambria Math" panose="02040503050406030204" pitchFamily="18" charset="0"/>
+                          </a:rPr>
+                          <m:t>𝜀</m:t>
+                        </m:r>
+                      </m:e>
+                    </m:d>
+                    <m:r>
+                      <a:rPr lang="en-US" altLang="zh-CN" b="0" i="1" smtClean="0">
+                        <a:latin typeface="Cambria Math" panose="02040503050406030204" pitchFamily="18" charset="0"/>
+                        <a:ea typeface="Cambria Math" panose="02040503050406030204" pitchFamily="18" charset="0"/>
+                      </a:rPr>
+                      <m:t>  ≠</m:t>
+                    </m:r>
+                    <m:r>
+                      <a:rPr lang="en-US" altLang="zh-CN" i="1">
+                        <a:latin typeface="Cambria Math" panose="02040503050406030204" pitchFamily="18" charset="0"/>
+                      </a:rPr>
+                      <m:t>𝑐</m:t>
+                    </m:r>
+                    <m:r>
+                      <a:rPr lang="en-US" altLang="zh-CN">
+                        <a:latin typeface="Cambria Math" panose="02040503050406030204" pitchFamily="18" charset="0"/>
+                      </a:rPr>
+                      <m:t> </m:t>
+                    </m:r>
+                    <m:d>
+                      <m:dPr>
+                        <m:ctrlPr>
+                          <a:rPr lang="en-US" altLang="zh-CN" i="1">
+                            <a:latin typeface="Cambria Math" panose="02040503050406030204" pitchFamily="18" charset="0"/>
+                          </a:rPr>
+                        </m:ctrlPr>
+                      </m:dPr>
+                      <m:e>
+                        <m:r>
+                          <m:rPr>
+                            <m:sty m:val="p"/>
+                          </m:rPr>
+                          <a:rPr lang="en-US" altLang="zh-CN">
+                            <a:latin typeface="Cambria Math" panose="02040503050406030204" pitchFamily="18" charset="0"/>
+                          </a:rPr>
+                          <m:t>constant</m:t>
+                        </m:r>
+                      </m:e>
+                    </m:d>
+                  </m:oMath>
+                </a14:m>
+                <a:endParaRPr lang="en-US" altLang="zh-CN" dirty="0"/>
+              </a:p>
+            </p:txBody>
+          </p:sp>
+        </mc:Choice>
+        <mc:Fallback xmlns="">
+          <p:sp>
+            <p:nvSpPr>
+              <p:cNvPr id="3" name="TextBox 2">
+                <a:extLst>
+                  <a:ext uri="{FF2B5EF4-FFF2-40B4-BE49-F238E27FC236}">
+                    <a16:creationId xmlns:a16="http://schemas.microsoft.com/office/drawing/2014/main" id="{0B560BF3-0DD1-5905-BD6F-FDABBA9E8A44}"/>
+                  </a:ext>
+                </a:extLst>
+              </p:cNvPr>
+              <p:cNvSpPr txBox="1">
+                <a:spLocks noRot="1" noChangeAspect="1" noMove="1" noResize="1" noEditPoints="1" noAdjustHandles="1" noChangeArrowheads="1" noChangeShapeType="1" noTextEdit="1"/>
+              </p:cNvSpPr>
+              <p:nvPr/>
+            </p:nvSpPr>
+            <p:spPr>
+              <a:xfrm>
+                <a:off x="581192" y="1474287"/>
+                <a:ext cx="6094476" cy="879664"/>
+              </a:xfrm>
+              <a:prstGeom prst="rect">
+                <a:avLst/>
+              </a:prstGeom>
+              <a:blipFill>
+                <a:blip r:embed="rId4"/>
+                <a:stretch>
+                  <a:fillRect l="-600" b="-10417"/>
+                </a:stretch>
+              </a:blipFill>
+            </p:spPr>
+            <p:txBody>
+              <a:bodyPr/>
+              <a:lstStyle/>
+              <a:p>
+                <a:r>
+                  <a:rPr lang="en-US">
+                    <a:noFill/>
+                  </a:rPr>
+                  <a:t> </a:t>
+                </a:r>
+              </a:p>
+            </p:txBody>
+          </p:sp>
+        </mc:Fallback>
+      </mc:AlternateContent>
+      <p:sp>
+        <p:nvSpPr>
+          <p:cNvPr id="2" name="TextBox 1"/>
+          <p:cNvSpPr txBox="1"/>
+          <p:nvPr/>
+        </p:nvSpPr>
+        <p:spPr>
+          <a:xfrm>
+            <a:off x="581192" y="2756028"/>
+            <a:ext cx="5222631" cy="646331"/>
+          </a:xfrm>
+          <a:prstGeom prst="rect">
+            <a:avLst/>
+          </a:prstGeom>
+          <a:noFill/>
+        </p:spPr>
+        <p:txBody>
+          <a:bodyPr wrap="square" rtlCol="0">
+            <a:spAutoFit/>
+          </a:bodyPr>
+          <a:lstStyle/>
+          <a:p>
+            <a:r>
+              <a:rPr lang="en-US" dirty="0" smtClean="0"/>
+              <a:t>The standard errors, confidence intervals, and hypothesis tests reply upon this assumption</a:t>
+            </a:r>
+            <a:endParaRPr lang="en-US" dirty="0"/>
+          </a:p>
+        </p:txBody>
+      </p:sp>
+    </p:spTree>
+    <p:extLst>
+      <p:ext uri="{BB962C8B-B14F-4D97-AF65-F5344CB8AC3E}">
+        <p14:creationId xmlns:p14="http://schemas.microsoft.com/office/powerpoint/2010/main" val="1210193911"/>
+      </p:ext>
+    </p:extLst>
+  </p:cSld>
+  <p:clrMapOvr>
+    <a:masterClrMapping/>
+  </p:clrMapOvr>
+</p:sld>
+</file>
+
+<file path=ppt/slides/slide11.xml><?xml version="1.0" encoding="utf-8"?>
+<p:sld xmlns:a="http://schemas.openxmlformats.org/drawingml/2006/main" xmlns:r="http://schemas.openxmlformats.org/officeDocument/2006/relationships" xmlns:p="http://schemas.openxmlformats.org/presentationml/2006/main">
+  <p:cSld>
+    <p:spTree>
+      <p:nvGrpSpPr>
+        <p:cNvPr id="1" name=""/>
+        <p:cNvGrpSpPr/>
+        <p:nvPr/>
+      </p:nvGrpSpPr>
+      <p:grpSpPr>
+        <a:xfrm>
+          <a:off x="0" y="0"/>
+          <a:ext cx="0" cy="0"/>
+          <a:chOff x="0" y="0"/>
+          <a:chExt cx="0" cy="0"/>
+        </a:xfrm>
+      </p:grpSpPr>
       <p:sp>
         <p:nvSpPr>
           <p:cNvPr id="2" name="Title 1">
@@ -8662,8 +9396,8 @@
           </a:p>
         </p:txBody>
       </p:sp>
-      <mc:AlternateContent xmlns:mc="http://schemas.openxmlformats.org/markup-compatibility/2006">
-        <mc:Choice xmlns:a14="http://schemas.microsoft.com/office/drawing/2010/main" Requires="a14">
+      <mc:AlternateContent xmlns:mc="http://schemas.openxmlformats.org/markup-compatibility/2006" xmlns:a14="http://schemas.microsoft.com/office/drawing/2010/main">
+        <mc:Choice Requires="a14">
           <p:sp>
             <p:nvSpPr>
               <p:cNvPr id="12" name="TextBox 11">
@@ -8864,7 +9598,7 @@
             </p:txBody>
           </p:sp>
         </mc:Choice>
-        <mc:Fallback>
+        <mc:Fallback xmlns="">
           <p:sp>
             <p:nvSpPr>
               <p:cNvPr id="12" name="TextBox 11">
@@ -8948,7 +9682,7 @@
 </p:sld>
 </file>
 
-<file path=ppt/slides/slide11.xml><?xml version="1.0" encoding="utf-8"?>
+<file path=ppt/slides/slide12.xml><?xml version="1.0" encoding="utf-8"?>
 <p:sld xmlns:a="http://schemas.openxmlformats.org/drawingml/2006/main" xmlns:r="http://schemas.openxmlformats.org/officeDocument/2006/relationships" xmlns:p="http://schemas.openxmlformats.org/presentationml/2006/main">
   <p:cSld>
     <p:spTree>
@@ -9261,19 +9995,7 @@
                 </a:solidFill>
                 <a:sym typeface="Rambla"/>
               </a:rPr>
-              <a:t>methods</a:t>
-            </a:r>
-            <a:r>
-              <a:rPr lang="en-US" dirty="0" smtClean="0">
-                <a:solidFill>
-                  <a:schemeClr val="tx1">
-                    <a:lumMod val="75000"/>
-                    <a:lumOff val="25000"/>
-                  </a:schemeClr>
-                </a:solidFill>
-                <a:sym typeface="Rambla"/>
-              </a:rPr>
-              <a:t>.</a:t>
+              <a:t>methods.</a:t>
             </a:r>
           </a:p>
           <a:p>
@@ -9504,7 +10226,7 @@
 </p:sld>
 </file>
 
-<file path=ppt/slides/slide12.xml><?xml version="1.0" encoding="utf-8"?>
+<file path=ppt/slides/slide13.xml><?xml version="1.0" encoding="utf-8"?>
 <p:sld xmlns:a="http://schemas.openxmlformats.org/drawingml/2006/main" xmlns:r="http://schemas.openxmlformats.org/officeDocument/2006/relationships" xmlns:p="http://schemas.openxmlformats.org/presentationml/2006/main">
   <p:cSld>
     <p:spTree>
@@ -9687,8 +10409,8 @@
           </a:extLst>
         </p:spPr>
       </p:pic>
-      <mc:AlternateContent xmlns:mc="http://schemas.openxmlformats.org/markup-compatibility/2006">
-        <mc:Choice xmlns:a14="http://schemas.microsoft.com/office/drawing/2010/main" Requires="a14">
+      <mc:AlternateContent xmlns:mc="http://schemas.openxmlformats.org/markup-compatibility/2006" xmlns:a14="http://schemas.microsoft.com/office/drawing/2010/main">
+        <mc:Choice Requires="a14">
           <p:sp>
             <p:nvSpPr>
               <p:cNvPr id="6" name="TextBox 5">
@@ -9980,7 +10702,7 @@
             </p:txBody>
           </p:sp>
         </mc:Choice>
-        <mc:Fallback>
+        <mc:Fallback xmlns="">
           <p:sp>
             <p:nvSpPr>
               <p:cNvPr id="6" name="TextBox 5">
@@ -10038,7 +10760,7 @@
 </p:sld>
 </file>
 
-<file path=ppt/slides/slide13.xml><?xml version="1.0" encoding="utf-8"?>
+<file path=ppt/slides/slide14.xml><?xml version="1.0" encoding="utf-8"?>
 <p:sld xmlns:a="http://schemas.openxmlformats.org/drawingml/2006/main" xmlns:r="http://schemas.openxmlformats.org/officeDocument/2006/relationships" xmlns:p="http://schemas.openxmlformats.org/presentationml/2006/main">
   <p:cSld>
     <p:spTree>
@@ -10191,7 +10913,7 @@
 </p:sld>
 </file>
 
-<file path=ppt/slides/slide14.xml><?xml version="1.0" encoding="utf-8"?>
+<file path=ppt/slides/slide15.xml><?xml version="1.0" encoding="utf-8"?>
 <p:sld xmlns:a="http://schemas.openxmlformats.org/drawingml/2006/main" xmlns:r="http://schemas.openxmlformats.org/officeDocument/2006/relationships" xmlns:p="http://schemas.openxmlformats.org/presentationml/2006/main">
   <p:cSld>
     <p:spTree>
@@ -10416,7 +11138,7 @@
 </p:sld>
 </file>
 
-<file path=ppt/slides/slide15.xml><?xml version="1.0" encoding="utf-8"?>
+<file path=ppt/slides/slide16.xml><?xml version="1.0" encoding="utf-8"?>
 <p:sld xmlns:a="http://schemas.openxmlformats.org/drawingml/2006/main" xmlns:r="http://schemas.openxmlformats.org/officeDocument/2006/relationships" xmlns:p="http://schemas.openxmlformats.org/presentationml/2006/main">
   <p:cSld>
     <p:spTree>
@@ -10496,8 +11218,8 @@
           </a:prstGeom>
         </p:spPr>
       </p:pic>
-      <mc:AlternateContent xmlns:mc="http://schemas.openxmlformats.org/markup-compatibility/2006">
-        <mc:Choice xmlns:a14="http://schemas.microsoft.com/office/drawing/2010/main" Requires="a14">
+      <mc:AlternateContent xmlns:mc="http://schemas.openxmlformats.org/markup-compatibility/2006" xmlns:a14="http://schemas.microsoft.com/office/drawing/2010/main">
+        <mc:Choice Requires="a14">
           <p:sp>
             <p:nvSpPr>
               <p:cNvPr id="5" name="TextBox 4"/>
@@ -10746,7 +11468,7 @@
             </p:txBody>
           </p:sp>
         </mc:Choice>
-        <mc:Fallback>
+        <mc:Fallback xmlns="">
           <p:sp>
             <p:nvSpPr>
               <p:cNvPr id="5" name="TextBox 4"/>
@@ -10785,8 +11507,8 @@
           </p:sp>
         </mc:Fallback>
       </mc:AlternateContent>
-      <mc:AlternateContent xmlns:mc="http://schemas.openxmlformats.org/markup-compatibility/2006">
-        <mc:Choice xmlns:a14="http://schemas.microsoft.com/office/drawing/2010/main" Requires="a14">
+      <mc:AlternateContent xmlns:mc="http://schemas.openxmlformats.org/markup-compatibility/2006" xmlns:a14="http://schemas.microsoft.com/office/drawing/2010/main">
+        <mc:Choice Requires="a14">
           <p:sp>
             <p:nvSpPr>
               <p:cNvPr id="6" name="TextBox 5"/>
@@ -10963,7 +11685,7 @@
             </p:txBody>
           </p:sp>
         </mc:Choice>
-        <mc:Fallback>
+        <mc:Fallback xmlns="">
           <p:sp>
             <p:nvSpPr>
               <p:cNvPr id="6" name="TextBox 5"/>
@@ -11002,8 +11724,8 @@
           </p:sp>
         </mc:Fallback>
       </mc:AlternateContent>
-      <mc:AlternateContent xmlns:mc="http://schemas.openxmlformats.org/markup-compatibility/2006">
-        <mc:Choice xmlns:a14="http://schemas.microsoft.com/office/drawing/2010/main" Requires="a14">
+      <mc:AlternateContent xmlns:mc="http://schemas.openxmlformats.org/markup-compatibility/2006" xmlns:a14="http://schemas.microsoft.com/office/drawing/2010/main">
+        <mc:Choice Requires="a14">
           <p:sp>
             <p:nvSpPr>
               <p:cNvPr id="7" name="TextBox 6"/>
@@ -11417,7 +12139,7 @@
             </p:txBody>
           </p:sp>
         </mc:Choice>
-        <mc:Fallback>
+        <mc:Fallback xmlns="">
           <p:sp>
             <p:nvSpPr>
               <p:cNvPr id="7" name="TextBox 6"/>
@@ -11469,7 +12191,7 @@
 </p:sld>
 </file>
 
-<file path=ppt/slides/slide16.xml><?xml version="1.0" encoding="utf-8"?>
+<file path=ppt/slides/slide17.xml><?xml version="1.0" encoding="utf-8"?>
 <p:sld xmlns:a="http://schemas.openxmlformats.org/drawingml/2006/main" xmlns:r="http://schemas.openxmlformats.org/officeDocument/2006/relationships" xmlns:p="http://schemas.openxmlformats.org/presentationml/2006/main">
   <p:cSld>
     <p:spTree>
@@ -11632,7 +12354,7 @@
 </p:sld>
 </file>
 
-<file path=ppt/slides/slide17.xml><?xml version="1.0" encoding="utf-8"?>
+<file path=ppt/slides/slide18.xml><?xml version="1.0" encoding="utf-8"?>
 <p:sld xmlns:a="http://schemas.openxmlformats.org/drawingml/2006/main" xmlns:r="http://schemas.openxmlformats.org/officeDocument/2006/relationships" xmlns:p="http://schemas.openxmlformats.org/presentationml/2006/main">
   <p:cSld>
     <p:spTree>
@@ -11760,8 +12482,8 @@
           </a:prstGeom>
         </p:spPr>
       </p:pic>
-      <mc:AlternateContent xmlns:mc="http://schemas.openxmlformats.org/markup-compatibility/2006">
-        <mc:Choice xmlns:a14="http://schemas.microsoft.com/office/drawing/2010/main" Requires="a14">
+      <mc:AlternateContent xmlns:mc="http://schemas.openxmlformats.org/markup-compatibility/2006" xmlns:a14="http://schemas.microsoft.com/office/drawing/2010/main">
+        <mc:Choice Requires="a14">
           <p:sp>
             <p:nvSpPr>
               <p:cNvPr id="9" name="TextBox 8">
@@ -12092,7 +12814,7 @@
             </p:txBody>
           </p:sp>
         </mc:Choice>
-        <mc:Fallback>
+        <mc:Fallback xmlns="">
           <p:sp>
             <p:nvSpPr>
               <p:cNvPr id="9" name="TextBox 8">
@@ -12137,8 +12859,8 @@
           </p:sp>
         </mc:Fallback>
       </mc:AlternateContent>
-      <mc:AlternateContent xmlns:mc="http://schemas.openxmlformats.org/markup-compatibility/2006">
-        <mc:Choice xmlns:a14="http://schemas.microsoft.com/office/drawing/2010/main" Requires="a14">
+      <mc:AlternateContent xmlns:mc="http://schemas.openxmlformats.org/markup-compatibility/2006" xmlns:a14="http://schemas.microsoft.com/office/drawing/2010/main">
+        <mc:Choice Requires="a14">
           <p:sp>
             <p:nvSpPr>
               <p:cNvPr id="3" name="TextBox 2"/>
@@ -12267,7 +12989,7 @@
             </p:txBody>
           </p:sp>
         </mc:Choice>
-        <mc:Fallback>
+        <mc:Fallback xmlns="">
           <p:sp>
             <p:nvSpPr>
               <p:cNvPr id="3" name="TextBox 2"/>
@@ -12319,7 +13041,7 @@
 </p:sld>
 </file>
 
-<file path=ppt/slides/slide18.xml><?xml version="1.0" encoding="utf-8"?>
+<file path=ppt/slides/slide19.xml><?xml version="1.0" encoding="utf-8"?>
 <p:sld xmlns:a="http://schemas.openxmlformats.org/drawingml/2006/main" xmlns:r="http://schemas.openxmlformats.org/officeDocument/2006/relationships" xmlns:p="http://schemas.openxmlformats.org/presentationml/2006/main">
   <p:cSld>
     <p:spTree>
@@ -12447,8 +13169,8 @@
           </a:prstGeom>
         </p:spPr>
       </p:pic>
-      <mc:AlternateContent xmlns:mc="http://schemas.openxmlformats.org/markup-compatibility/2006">
-        <mc:Choice xmlns:a14="http://schemas.microsoft.com/office/drawing/2010/main" Requires="a14">
+      <mc:AlternateContent xmlns:mc="http://schemas.openxmlformats.org/markup-compatibility/2006" xmlns:a14="http://schemas.microsoft.com/office/drawing/2010/main">
+        <mc:Choice Requires="a14">
           <p:sp>
             <p:nvSpPr>
               <p:cNvPr id="9" name="TextBox 8">
@@ -12779,7 +13501,7 @@
             </p:txBody>
           </p:sp>
         </mc:Choice>
-        <mc:Fallback>
+        <mc:Fallback xmlns="">
           <p:sp>
             <p:nvSpPr>
               <p:cNvPr id="9" name="TextBox 8">
@@ -12824,8 +13546,8 @@
           </p:sp>
         </mc:Fallback>
       </mc:AlternateContent>
-      <mc:AlternateContent xmlns:mc="http://schemas.openxmlformats.org/markup-compatibility/2006">
-        <mc:Choice xmlns:a14="http://schemas.microsoft.com/office/drawing/2010/main" Requires="a14">
+      <mc:AlternateContent xmlns:mc="http://schemas.openxmlformats.org/markup-compatibility/2006" xmlns:a14="http://schemas.microsoft.com/office/drawing/2010/main">
+        <mc:Choice Requires="a14">
           <p:sp>
             <p:nvSpPr>
               <p:cNvPr id="6" name="TextBox 5"/>
@@ -12954,7 +13676,7 @@
             </p:txBody>
           </p:sp>
         </mc:Choice>
-        <mc:Fallback>
+        <mc:Fallback xmlns="">
           <p:sp>
             <p:nvSpPr>
               <p:cNvPr id="6" name="TextBox 5"/>
@@ -13006,7 +13728,7 @@
 </p:sld>
 </file>
 
-<file path=ppt/slides/slide19.xml><?xml version="1.0" encoding="utf-8"?>
+<file path=ppt/slides/slide2.xml><?xml version="1.0" encoding="utf-8"?>
 <p:sld xmlns:a="http://schemas.openxmlformats.org/drawingml/2006/main" xmlns:r="http://schemas.openxmlformats.org/officeDocument/2006/relationships" xmlns:p="http://schemas.openxmlformats.org/presentationml/2006/main">
   <p:cSld>
     <p:spTree>
@@ -13025,6 +13747,90 @@
       </p:grpSpPr>
       <p:sp>
         <p:nvSpPr>
+          <p:cNvPr id="2" name="Title 1"/>
+          <p:cNvSpPr>
+            <a:spLocks noGrp="1"/>
+          </p:cNvSpPr>
+          <p:nvPr>
+            <p:ph type="title"/>
+          </p:nvPr>
+        </p:nvSpPr>
+        <p:spPr>
+          <a:xfrm>
+            <a:off x="581192" y="702156"/>
+            <a:ext cx="11029616" cy="678236"/>
+          </a:xfrm>
+        </p:spPr>
+        <p:txBody>
+          <a:bodyPr/>
+          <a:lstStyle/>
+          <a:p>
+            <a:r>
+              <a:rPr lang="en-US" dirty="0" smtClean="0"/>
+              <a:t>An introduction to statistical learning with applications in R</a:t>
+            </a:r>
+            <a:endParaRPr lang="en-US" dirty="0"/>
+          </a:p>
+        </p:txBody>
+      </p:sp>
+      <p:pic>
+        <p:nvPicPr>
+          <p:cNvPr id="4" name="Picture 3">
+            <a:hlinkClick r:id="rId2"/>
+          </p:cNvPr>
+          <p:cNvPicPr>
+            <a:picLocks noChangeAspect="1"/>
+          </p:cNvPicPr>
+          <p:nvPr/>
+        </p:nvPicPr>
+        <p:blipFill>
+          <a:blip r:embed="rId3"/>
+          <a:stretch>
+            <a:fillRect/>
+          </a:stretch>
+        </p:blipFill>
+        <p:spPr>
+          <a:xfrm>
+            <a:off x="4222139" y="1380392"/>
+            <a:ext cx="3747721" cy="5299691"/>
+          </a:xfrm>
+          <a:prstGeom prst="rect">
+            <a:avLst/>
+          </a:prstGeom>
+        </p:spPr>
+      </p:pic>
+    </p:spTree>
+    <p:extLst>
+      <p:ext uri="{BB962C8B-B14F-4D97-AF65-F5344CB8AC3E}">
+        <p14:creationId xmlns:p14="http://schemas.microsoft.com/office/powerpoint/2010/main" val="1641476421"/>
+      </p:ext>
+    </p:extLst>
+  </p:cSld>
+  <p:clrMapOvr>
+    <a:masterClrMapping/>
+  </p:clrMapOvr>
+</p:sld>
+</file>
+
+<file path=ppt/slides/slide20.xml><?xml version="1.0" encoding="utf-8"?>
+<p:sld xmlns:a="http://schemas.openxmlformats.org/drawingml/2006/main" xmlns:r="http://schemas.openxmlformats.org/officeDocument/2006/relationships" xmlns:p="http://schemas.openxmlformats.org/presentationml/2006/main">
+  <p:cSld>
+    <p:spTree>
+      <p:nvGrpSpPr>
+        <p:cNvPr id="1" name=""/>
+        <p:cNvGrpSpPr/>
+        <p:nvPr/>
+      </p:nvGrpSpPr>
+      <p:grpSpPr>
+        <a:xfrm>
+          <a:off x="0" y="0"/>
+          <a:ext cx="0" cy="0"/>
+          <a:chOff x="0" y="0"/>
+          <a:chExt cx="0" cy="0"/>
+        </a:xfrm>
+      </p:grpSpPr>
+      <p:sp>
+        <p:nvSpPr>
           <p:cNvPr id="2" name="Title 1">
             <a:extLst>
               <a:ext uri="{FF2B5EF4-FFF2-40B4-BE49-F238E27FC236}">
@@ -13059,8 +13865,8 @@
           </a:p>
         </p:txBody>
       </p:sp>
-      <mc:AlternateContent xmlns:mc="http://schemas.openxmlformats.org/markup-compatibility/2006">
-        <mc:Choice xmlns:a14="http://schemas.microsoft.com/office/drawing/2010/main" Requires="a14">
+      <mc:AlternateContent xmlns:mc="http://schemas.openxmlformats.org/markup-compatibility/2006" xmlns:a14="http://schemas.microsoft.com/office/drawing/2010/main">
+        <mc:Choice Requires="a14">
           <p:sp>
             <p:nvSpPr>
               <p:cNvPr id="7" name="TextBox 6">
@@ -13258,7 +14064,6 @@
                 <a:endParaRPr lang="en-US" altLang="zh-CN" sz="1800" b="0" dirty="0"/>
               </a:p>
               <a:p>
-                <a:pPr/>
                 <a14:m>
                   <m:oMath xmlns:m="http://schemas.openxmlformats.org/officeDocument/2006/math">
                     <m:func>
@@ -13415,7 +14220,7 @@
             </p:txBody>
           </p:sp>
         </mc:Choice>
-        <mc:Fallback>
+        <mc:Fallback xmlns="">
           <p:sp>
             <p:nvSpPr>
               <p:cNvPr id="7" name="TextBox 6">
@@ -13533,954 +14338,7 @@
 </p:sld>
 </file>
 
-<file path=ppt/slides/slide2.xml><?xml version="1.0" encoding="utf-8"?>
-<p:sld xmlns:a="http://schemas.openxmlformats.org/drawingml/2006/main" xmlns:r="http://schemas.openxmlformats.org/officeDocument/2006/relationships" xmlns:p="http://schemas.openxmlformats.org/presentationml/2006/main">
-  <p:cSld>
-    <p:bg>
-      <p:bgPr>
-        <a:solidFill>
-          <a:schemeClr val="bg1"/>
-        </a:solidFill>
-        <a:effectLst/>
-      </p:bgPr>
-    </p:bg>
-    <p:spTree>
-      <p:nvGrpSpPr>
-        <p:cNvPr id="1" name=""/>
-        <p:cNvGrpSpPr/>
-        <p:nvPr/>
-      </p:nvGrpSpPr>
-      <p:grpSpPr>
-        <a:xfrm>
-          <a:off x="0" y="0"/>
-          <a:ext cx="0" cy="0"/>
-          <a:chOff x="0" y="0"/>
-          <a:chExt cx="0" cy="0"/>
-        </a:xfrm>
-      </p:grpSpPr>
-      <p:sp>
-        <p:nvSpPr>
-          <p:cNvPr id="36" name="Rectangle 35">
-            <a:extLst>
-              <a:ext uri="{FF2B5EF4-FFF2-40B4-BE49-F238E27FC236}">
-                <a16:creationId xmlns:a16="http://schemas.microsoft.com/office/drawing/2014/main" id="{DCF4EB5C-ED25-4675-8255-2F5B12CFFCF0}"/>
-              </a:ext>
-              <a:ext uri="{C183D7F6-B498-43B3-948B-1728B52AA6E4}">
-                <adec:decorative xmlns:adec="http://schemas.microsoft.com/office/drawing/2017/decorative" xmlns="" val="1"/>
-              </a:ext>
-            </a:extLst>
-          </p:cNvPr>
-          <p:cNvSpPr>
-            <a:spLocks noGrp="1" noRot="1" noChangeAspect="1" noMove="1" noResize="1" noEditPoints="1" noAdjustHandles="1" noChangeArrowheads="1" noChangeShapeType="1" noTextEdit="1"/>
-          </p:cNvSpPr>
-          <p:nvPr>
-            <p:extLst>
-              <p:ext uri="{386F3935-93C4-4BCD-93E2-E3B085C9AB24}">
-                <p16:designElem xmlns:p16="http://schemas.microsoft.com/office/powerpoint/2015/main" val="1"/>
-              </p:ext>
-            </p:extLst>
-          </p:nvPr>
-        </p:nvSpPr>
-        <p:spPr>
-          <a:xfrm>
-            <a:off x="446534" y="457200"/>
-            <a:ext cx="3703320" cy="94997"/>
-          </a:xfrm>
-          <a:prstGeom prst="rect">
-            <a:avLst/>
-          </a:prstGeom>
-          <a:solidFill>
-            <a:srgbClr val="465359"/>
-          </a:solidFill>
-          <a:ln>
-            <a:noFill/>
-          </a:ln>
-          <a:effectLst/>
-        </p:spPr>
-        <p:style>
-          <a:lnRef idx="1">
-            <a:schemeClr val="accent1"/>
-          </a:lnRef>
-          <a:fillRef idx="3">
-            <a:schemeClr val="accent1"/>
-          </a:fillRef>
-          <a:effectRef idx="2">
-            <a:schemeClr val="accent1"/>
-          </a:effectRef>
-          <a:fontRef idx="minor">
-            <a:schemeClr val="lt1"/>
-          </a:fontRef>
-        </p:style>
-        <p:txBody>
-          <a:bodyPr/>
-          <a:lstStyle/>
-          <a:p>
-            <a:pPr marL="0" marR="0" lvl="0" indent="0" algn="l" defTabSz="457200" rtl="0" eaLnBrk="1" fontAlgn="auto" latinLnBrk="0" hangingPunct="1">
-              <a:lnSpc>
-                <a:spcPct val="100000"/>
-              </a:lnSpc>
-              <a:spcBef>
-                <a:spcPts val="0"/>
-              </a:spcBef>
-              <a:spcAft>
-                <a:spcPts val="0"/>
-              </a:spcAft>
-              <a:buClrTx/>
-              <a:buSzTx/>
-              <a:buFontTx/>
-              <a:buNone/>
-              <a:tabLst/>
-              <a:defRPr/>
-            </a:pPr>
-            <a:endParaRPr kumimoji="0" lang="en-US" sz="1800" b="0" i="0" u="none" strike="noStrike" kern="1200" cap="none" spc="0" normalizeH="0" baseline="0" noProof="0">
-              <a:ln>
-                <a:noFill/>
-              </a:ln>
-              <a:solidFill>
-                <a:srgbClr val="FFFFFF"/>
-              </a:solidFill>
-              <a:effectLst/>
-              <a:uLnTx/>
-              <a:uFillTx/>
-              <a:latin typeface="Calibri"/>
-              <a:ea typeface="+mn-ea"/>
-              <a:cs typeface="+mn-cs"/>
-            </a:endParaRPr>
-          </a:p>
-        </p:txBody>
-      </p:sp>
-      <p:sp>
-        <p:nvSpPr>
-          <p:cNvPr id="38" name="Rectangle 37">
-            <a:extLst>
-              <a:ext uri="{FF2B5EF4-FFF2-40B4-BE49-F238E27FC236}">
-                <a16:creationId xmlns:a16="http://schemas.microsoft.com/office/drawing/2014/main" id="{9514EC6E-A557-42A2-BCDC-3ABFFC5E564D}"/>
-              </a:ext>
-              <a:ext uri="{C183D7F6-B498-43B3-948B-1728B52AA6E4}">
-                <adec:decorative xmlns:adec="http://schemas.microsoft.com/office/drawing/2017/decorative" xmlns="" val="1"/>
-              </a:ext>
-            </a:extLst>
-          </p:cNvPr>
-          <p:cNvSpPr>
-            <a:spLocks noGrp="1" noRot="1" noChangeAspect="1" noMove="1" noResize="1" noEditPoints="1" noAdjustHandles="1" noChangeArrowheads="1" noChangeShapeType="1" noTextEdit="1"/>
-          </p:cNvSpPr>
-          <p:nvPr>
-            <p:extLst>
-              <p:ext uri="{386F3935-93C4-4BCD-93E2-E3B085C9AB24}">
-                <p16:designElem xmlns:p16="http://schemas.microsoft.com/office/powerpoint/2015/main" val="1"/>
-              </p:ext>
-            </p:extLst>
-          </p:nvPr>
-        </p:nvSpPr>
-        <p:spPr>
-          <a:xfrm>
-            <a:off x="8042147" y="453643"/>
-            <a:ext cx="3703320" cy="98554"/>
-          </a:xfrm>
-          <a:prstGeom prst="rect">
-            <a:avLst/>
-          </a:prstGeom>
-          <a:solidFill>
-            <a:srgbClr val="969FA7"/>
-          </a:solidFill>
-          <a:ln>
-            <a:noFill/>
-          </a:ln>
-          <a:effectLst/>
-        </p:spPr>
-        <p:style>
-          <a:lnRef idx="1">
-            <a:schemeClr val="accent1"/>
-          </a:lnRef>
-          <a:fillRef idx="3">
-            <a:schemeClr val="accent1"/>
-          </a:fillRef>
-          <a:effectRef idx="2">
-            <a:schemeClr val="accent1"/>
-          </a:effectRef>
-          <a:fontRef idx="minor">
-            <a:schemeClr val="lt1"/>
-          </a:fontRef>
-        </p:style>
-        <p:txBody>
-          <a:bodyPr/>
-          <a:lstStyle/>
-          <a:p>
-            <a:pPr marL="0" marR="0" lvl="0" indent="0" algn="l" defTabSz="457200" rtl="0" eaLnBrk="1" fontAlgn="auto" latinLnBrk="0" hangingPunct="1">
-              <a:lnSpc>
-                <a:spcPct val="100000"/>
-              </a:lnSpc>
-              <a:spcBef>
-                <a:spcPts val="0"/>
-              </a:spcBef>
-              <a:spcAft>
-                <a:spcPts val="0"/>
-              </a:spcAft>
-              <a:buClrTx/>
-              <a:buSzTx/>
-              <a:buFontTx/>
-              <a:buNone/>
-              <a:tabLst/>
-              <a:defRPr/>
-            </a:pPr>
-            <a:endParaRPr kumimoji="0" lang="en-US" sz="1800" b="0" i="0" u="none" strike="noStrike" kern="1200" cap="none" spc="0" normalizeH="0" baseline="0" noProof="0">
-              <a:ln>
-                <a:noFill/>
-              </a:ln>
-              <a:solidFill>
-                <a:srgbClr val="FFFFFF"/>
-              </a:solidFill>
-              <a:effectLst/>
-              <a:uLnTx/>
-              <a:uFillTx/>
-              <a:latin typeface="Calibri"/>
-              <a:ea typeface="+mn-ea"/>
-              <a:cs typeface="+mn-cs"/>
-            </a:endParaRPr>
-          </a:p>
-        </p:txBody>
-      </p:sp>
-      <p:sp>
-        <p:nvSpPr>
-          <p:cNvPr id="40" name="Rectangle 39">
-            <a:extLst>
-              <a:ext uri="{FF2B5EF4-FFF2-40B4-BE49-F238E27FC236}">
-                <a16:creationId xmlns:a16="http://schemas.microsoft.com/office/drawing/2014/main" id="{905482C9-EB42-4BFE-95BF-7FD661F07657}"/>
-              </a:ext>
-              <a:ext uri="{C183D7F6-B498-43B3-948B-1728B52AA6E4}">
-                <adec:decorative xmlns:adec="http://schemas.microsoft.com/office/drawing/2017/decorative" xmlns="" val="1"/>
-              </a:ext>
-            </a:extLst>
-          </p:cNvPr>
-          <p:cNvSpPr>
-            <a:spLocks noGrp="1" noRot="1" noChangeAspect="1" noMove="1" noResize="1" noEditPoints="1" noAdjustHandles="1" noChangeArrowheads="1" noChangeShapeType="1" noTextEdit="1"/>
-          </p:cNvSpPr>
-          <p:nvPr>
-            <p:extLst>
-              <p:ext uri="{386F3935-93C4-4BCD-93E2-E3B085C9AB24}">
-                <p16:designElem xmlns:p16="http://schemas.microsoft.com/office/powerpoint/2015/main" val="1"/>
-              </p:ext>
-            </p:extLst>
-          </p:nvPr>
-        </p:nvSpPr>
-        <p:spPr>
-          <a:xfrm>
-            <a:off x="4241830" y="457200"/>
-            <a:ext cx="3703320" cy="91440"/>
-          </a:xfrm>
-          <a:prstGeom prst="rect">
-            <a:avLst/>
-          </a:prstGeom>
-          <a:solidFill>
-            <a:schemeClr val="accent1"/>
-          </a:solidFill>
-          <a:ln>
-            <a:noFill/>
-          </a:ln>
-          <a:effectLst/>
-        </p:spPr>
-        <p:style>
-          <a:lnRef idx="1">
-            <a:schemeClr val="accent1"/>
-          </a:lnRef>
-          <a:fillRef idx="3">
-            <a:schemeClr val="accent1"/>
-          </a:fillRef>
-          <a:effectRef idx="2">
-            <a:schemeClr val="accent1"/>
-          </a:effectRef>
-          <a:fontRef idx="minor">
-            <a:schemeClr val="lt1"/>
-          </a:fontRef>
-        </p:style>
-        <p:txBody>
-          <a:bodyPr/>
-          <a:lstStyle/>
-          <a:p>
-            <a:pPr marL="0" marR="0" lvl="0" indent="0" algn="l" defTabSz="457200" rtl="0" eaLnBrk="1" fontAlgn="auto" latinLnBrk="0" hangingPunct="1">
-              <a:lnSpc>
-                <a:spcPct val="100000"/>
-              </a:lnSpc>
-              <a:spcBef>
-                <a:spcPts val="0"/>
-              </a:spcBef>
-              <a:spcAft>
-                <a:spcPts val="0"/>
-              </a:spcAft>
-              <a:buClrTx/>
-              <a:buSzTx/>
-              <a:buFontTx/>
-              <a:buNone/>
-              <a:tabLst/>
-              <a:defRPr/>
-            </a:pPr>
-            <a:endParaRPr kumimoji="0" lang="en-US" sz="1800" b="0" i="0" u="none" strike="noStrike" kern="1200" cap="none" spc="0" normalizeH="0" baseline="0" noProof="0">
-              <a:ln>
-                <a:noFill/>
-              </a:ln>
-              <a:solidFill>
-                <a:srgbClr val="FFFFFF"/>
-              </a:solidFill>
-              <a:effectLst/>
-              <a:uLnTx/>
-              <a:uFillTx/>
-              <a:latin typeface="Calibri"/>
-              <a:ea typeface="+mn-ea"/>
-              <a:cs typeface="+mn-cs"/>
-            </a:endParaRPr>
-          </a:p>
-        </p:txBody>
-      </p:sp>
-      <p:sp>
-        <p:nvSpPr>
-          <p:cNvPr id="42" name="Rectangle 41">
-            <a:extLst>
-              <a:ext uri="{FF2B5EF4-FFF2-40B4-BE49-F238E27FC236}">
-                <a16:creationId xmlns:a16="http://schemas.microsoft.com/office/drawing/2014/main" id="{7539E646-A625-4A26-86ED-BD90EDD329F7}"/>
-              </a:ext>
-              <a:ext uri="{C183D7F6-B498-43B3-948B-1728B52AA6E4}">
-                <adec:decorative xmlns:adec="http://schemas.microsoft.com/office/drawing/2017/decorative" xmlns="" val="1"/>
-              </a:ext>
-            </a:extLst>
-          </p:cNvPr>
-          <p:cNvSpPr>
-            <a:spLocks noGrp="1" noRot="1" noChangeAspect="1" noMove="1" noResize="1" noEditPoints="1" noAdjustHandles="1" noChangeArrowheads="1" noChangeShapeType="1" noTextEdit="1"/>
-          </p:cNvSpPr>
-          <p:nvPr>
-            <p:extLst>
-              <p:ext uri="{386F3935-93C4-4BCD-93E2-E3B085C9AB24}">
-                <p16:designElem xmlns:p16="http://schemas.microsoft.com/office/powerpoint/2015/main" val="1"/>
-              </p:ext>
-            </p:extLst>
-          </p:nvPr>
-        </p:nvSpPr>
-        <p:spPr>
-          <a:xfrm>
-            <a:off x="446534" y="3085764"/>
-            <a:ext cx="11298932" cy="3338149"/>
-          </a:xfrm>
-          <a:prstGeom prst="rect">
-            <a:avLst/>
-          </a:prstGeom>
-          <a:solidFill>
-            <a:srgbClr val="465359"/>
-          </a:solidFill>
-          <a:ln>
-            <a:noFill/>
-          </a:ln>
-          <a:effectLst/>
-        </p:spPr>
-        <p:style>
-          <a:lnRef idx="1">
-            <a:schemeClr val="accent1"/>
-          </a:lnRef>
-          <a:fillRef idx="3">
-            <a:schemeClr val="accent1"/>
-          </a:fillRef>
-          <a:effectRef idx="2">
-            <a:schemeClr val="accent1"/>
-          </a:effectRef>
-          <a:fontRef idx="minor">
-            <a:schemeClr val="lt1"/>
-          </a:fontRef>
-        </p:style>
-        <p:txBody>
-          <a:bodyPr/>
-          <a:lstStyle/>
-          <a:p>
-            <a:pPr marL="0" marR="0" lvl="0" indent="0" algn="l" defTabSz="457200" rtl="0" eaLnBrk="1" fontAlgn="auto" latinLnBrk="0" hangingPunct="1">
-              <a:lnSpc>
-                <a:spcPct val="100000"/>
-              </a:lnSpc>
-              <a:spcBef>
-                <a:spcPts val="0"/>
-              </a:spcBef>
-              <a:spcAft>
-                <a:spcPts val="0"/>
-              </a:spcAft>
-              <a:buClrTx/>
-              <a:buSzTx/>
-              <a:buFontTx/>
-              <a:buNone/>
-              <a:tabLst/>
-              <a:defRPr/>
-            </a:pPr>
-            <a:endParaRPr kumimoji="0" lang="en-US" sz="1800" b="0" i="0" u="none" strike="noStrike" kern="1200" cap="none" spc="0" normalizeH="0" baseline="0" noProof="0">
-              <a:ln>
-                <a:noFill/>
-              </a:ln>
-              <a:solidFill>
-                <a:srgbClr val="FFFFFF"/>
-              </a:solidFill>
-              <a:effectLst/>
-              <a:uLnTx/>
-              <a:uFillTx/>
-              <a:latin typeface="Calibri"/>
-              <a:ea typeface="+mn-ea"/>
-              <a:cs typeface="+mn-cs"/>
-            </a:endParaRPr>
-          </a:p>
-        </p:txBody>
-      </p:sp>
-      <p:sp useBgFill="1">
-        <p:nvSpPr>
-          <p:cNvPr id="44" name="Rectangle 43">
-            <a:extLst>
-              <a:ext uri="{FF2B5EF4-FFF2-40B4-BE49-F238E27FC236}">
-                <a16:creationId xmlns:a16="http://schemas.microsoft.com/office/drawing/2014/main" id="{39171204-6A50-40E1-B631-84CEDFC9396A}"/>
-              </a:ext>
-              <a:ext uri="{C183D7F6-B498-43B3-948B-1728B52AA6E4}">
-                <adec:decorative xmlns:adec="http://schemas.microsoft.com/office/drawing/2017/decorative" xmlns="" val="1"/>
-              </a:ext>
-            </a:extLst>
-          </p:cNvPr>
-          <p:cNvSpPr>
-            <a:spLocks noGrp="1" noRot="1" noChangeAspect="1" noMove="1" noResize="1" noEditPoints="1" noAdjustHandles="1" noChangeArrowheads="1" noChangeShapeType="1" noTextEdit="1"/>
-          </p:cNvSpPr>
-          <p:nvPr>
-            <p:extLst>
-              <p:ext uri="{386F3935-93C4-4BCD-93E2-E3B085C9AB24}">
-                <p16:designElem xmlns:p16="http://schemas.microsoft.com/office/powerpoint/2015/main" val="1"/>
-              </p:ext>
-            </p:extLst>
-          </p:nvPr>
-        </p:nvSpPr>
-        <p:spPr>
-          <a:xfrm>
-            <a:off x="0" y="0"/>
-            <a:ext cx="12192000" cy="6858000"/>
-          </a:xfrm>
-          <a:prstGeom prst="rect">
-            <a:avLst/>
-          </a:prstGeom>
-          <a:ln>
-            <a:noFill/>
-          </a:ln>
-        </p:spPr>
-        <p:style>
-          <a:lnRef idx="2">
-            <a:schemeClr val="accent1">
-              <a:shade val="50000"/>
-            </a:schemeClr>
-          </a:lnRef>
-          <a:fillRef idx="1">
-            <a:schemeClr val="accent1"/>
-          </a:fillRef>
-          <a:effectRef idx="0">
-            <a:schemeClr val="accent1"/>
-          </a:effectRef>
-          <a:fontRef idx="minor">
-            <a:schemeClr val="lt1"/>
-          </a:fontRef>
-        </p:style>
-        <p:txBody>
-          <a:bodyPr rtlCol="0" anchor="ctr"/>
-          <a:lstStyle/>
-          <a:p>
-            <a:pPr marL="0" marR="0" lvl="0" indent="0" algn="ctr" defTabSz="457200" rtl="0" eaLnBrk="1" fontAlgn="auto" latinLnBrk="0" hangingPunct="1">
-              <a:lnSpc>
-                <a:spcPct val="100000"/>
-              </a:lnSpc>
-              <a:spcBef>
-                <a:spcPts val="0"/>
-              </a:spcBef>
-              <a:spcAft>
-                <a:spcPts val="0"/>
-              </a:spcAft>
-              <a:buClrTx/>
-              <a:buSzTx/>
-              <a:buFontTx/>
-              <a:buNone/>
-              <a:tabLst/>
-              <a:defRPr/>
-            </a:pPr>
-            <a:endParaRPr kumimoji="0" lang="en-US" sz="1800" b="0" i="0" u="none" strike="noStrike" kern="1200" cap="none" spc="0" normalizeH="0" baseline="0" noProof="0">
-              <a:ln>
-                <a:noFill/>
-              </a:ln>
-              <a:solidFill>
-                <a:srgbClr val="FFFFFF"/>
-              </a:solidFill>
-              <a:effectLst/>
-              <a:uLnTx/>
-              <a:uFillTx/>
-              <a:latin typeface="Calibri"/>
-              <a:ea typeface="+mn-ea"/>
-              <a:cs typeface="+mn-cs"/>
-            </a:endParaRPr>
-          </a:p>
-        </p:txBody>
-      </p:sp>
-      <p:sp>
-        <p:nvSpPr>
-          <p:cNvPr id="46" name="Rectangle 45">
-            <a:extLst>
-              <a:ext uri="{FF2B5EF4-FFF2-40B4-BE49-F238E27FC236}">
-                <a16:creationId xmlns:a16="http://schemas.microsoft.com/office/drawing/2014/main" id="{06C973F6-5187-412F-AACC-6E3FF8A6A12C}"/>
-              </a:ext>
-              <a:ext uri="{C183D7F6-B498-43B3-948B-1728B52AA6E4}">
-                <adec:decorative xmlns:adec="http://schemas.microsoft.com/office/drawing/2017/decorative" xmlns="" val="1"/>
-              </a:ext>
-            </a:extLst>
-          </p:cNvPr>
-          <p:cNvSpPr>
-            <a:spLocks noGrp="1" noRot="1" noChangeAspect="1" noMove="1" noResize="1" noEditPoints="1" noAdjustHandles="1" noChangeArrowheads="1" noChangeShapeType="1" noTextEdit="1"/>
-          </p:cNvSpPr>
-          <p:nvPr>
-            <p:extLst>
-              <p:ext uri="{386F3935-93C4-4BCD-93E2-E3B085C9AB24}">
-                <p16:designElem xmlns:p16="http://schemas.microsoft.com/office/powerpoint/2015/main" val="1"/>
-              </p:ext>
-            </p:extLst>
-          </p:nvPr>
-        </p:nvSpPr>
-        <p:spPr>
-          <a:xfrm>
-            <a:off x="509628" y="496959"/>
-            <a:ext cx="1106164" cy="5859735"/>
-          </a:xfrm>
-          <a:prstGeom prst="rect">
-            <a:avLst/>
-          </a:prstGeom>
-          <a:solidFill>
-            <a:srgbClr val="465359"/>
-          </a:solidFill>
-          <a:ln>
-            <a:noFill/>
-          </a:ln>
-          <a:effectLst/>
-        </p:spPr>
-        <p:style>
-          <a:lnRef idx="1">
-            <a:schemeClr val="accent1"/>
-          </a:lnRef>
-          <a:fillRef idx="3">
-            <a:schemeClr val="accent1"/>
-          </a:fillRef>
-          <a:effectRef idx="2">
-            <a:schemeClr val="accent1"/>
-          </a:effectRef>
-          <a:fontRef idx="minor">
-            <a:schemeClr val="lt1"/>
-          </a:fontRef>
-        </p:style>
-        <p:txBody>
-          <a:bodyPr/>
-          <a:lstStyle/>
-          <a:p>
-            <a:pPr marL="0" marR="0" lvl="0" indent="0" algn="l" defTabSz="457200" rtl="0" eaLnBrk="1" fontAlgn="auto" latinLnBrk="0" hangingPunct="1">
-              <a:lnSpc>
-                <a:spcPct val="100000"/>
-              </a:lnSpc>
-              <a:spcBef>
-                <a:spcPts val="0"/>
-              </a:spcBef>
-              <a:spcAft>
-                <a:spcPts val="0"/>
-              </a:spcAft>
-              <a:buClrTx/>
-              <a:buSzTx/>
-              <a:buFontTx/>
-              <a:buNone/>
-              <a:tabLst/>
-              <a:defRPr/>
-            </a:pPr>
-            <a:endParaRPr kumimoji="0" lang="en-US" sz="1800" b="0" i="0" u="none" strike="noStrike" kern="1200" cap="none" spc="0" normalizeH="0" baseline="0" noProof="0">
-              <a:ln>
-                <a:noFill/>
-              </a:ln>
-              <a:solidFill>
-                <a:srgbClr val="FFFFFF"/>
-              </a:solidFill>
-              <a:effectLst/>
-              <a:uLnTx/>
-              <a:uFillTx/>
-              <a:latin typeface="Calibri"/>
-              <a:ea typeface="+mn-ea"/>
-              <a:cs typeface="+mn-cs"/>
-            </a:endParaRPr>
-          </a:p>
-        </p:txBody>
-      </p:sp>
-      <p:sp>
-        <p:nvSpPr>
-          <p:cNvPr id="48" name="Rectangle 47">
-            <a:extLst>
-              <a:ext uri="{FF2B5EF4-FFF2-40B4-BE49-F238E27FC236}">
-                <a16:creationId xmlns:a16="http://schemas.microsoft.com/office/drawing/2014/main" id="{D11AE14F-1B7E-41E6-B579-2F71D135036C}"/>
-              </a:ext>
-              <a:ext uri="{C183D7F6-B498-43B3-948B-1728B52AA6E4}">
-                <adec:decorative xmlns:adec="http://schemas.microsoft.com/office/drawing/2017/decorative" xmlns="" val="1"/>
-              </a:ext>
-            </a:extLst>
-          </p:cNvPr>
-          <p:cNvSpPr>
-            <a:spLocks noGrp="1" noRot="1" noChangeAspect="1" noMove="1" noResize="1" noEditPoints="1" noAdjustHandles="1" noChangeArrowheads="1" noChangeShapeType="1" noTextEdit="1"/>
-          </p:cNvSpPr>
-          <p:nvPr>
-            <p:extLst>
-              <p:ext uri="{386F3935-93C4-4BCD-93E2-E3B085C9AB24}">
-                <p16:designElem xmlns:p16="http://schemas.microsoft.com/office/powerpoint/2015/main" val="1"/>
-              </p:ext>
-            </p:extLst>
-          </p:nvPr>
-        </p:nvSpPr>
-        <p:spPr>
-          <a:xfrm>
-            <a:off x="1712856" y="496958"/>
-            <a:ext cx="9961047" cy="3678072"/>
-          </a:xfrm>
-          <a:prstGeom prst="rect">
-            <a:avLst/>
-          </a:prstGeom>
-          <a:solidFill>
-            <a:schemeClr val="accent1"/>
-          </a:solidFill>
-          <a:ln>
-            <a:noFill/>
-          </a:ln>
-          <a:effectLst/>
-        </p:spPr>
-        <p:style>
-          <a:lnRef idx="1">
-            <a:schemeClr val="accent1"/>
-          </a:lnRef>
-          <a:fillRef idx="3">
-            <a:schemeClr val="accent1"/>
-          </a:fillRef>
-          <a:effectRef idx="2">
-            <a:schemeClr val="accent1"/>
-          </a:effectRef>
-          <a:fontRef idx="minor">
-            <a:schemeClr val="lt1"/>
-          </a:fontRef>
-        </p:style>
-        <p:txBody>
-          <a:bodyPr/>
-          <a:lstStyle/>
-          <a:p>
-            <a:pPr marL="0" marR="0" lvl="0" indent="0" algn="l" defTabSz="457200" rtl="0" eaLnBrk="1" fontAlgn="auto" latinLnBrk="0" hangingPunct="1">
-              <a:lnSpc>
-                <a:spcPct val="100000"/>
-              </a:lnSpc>
-              <a:spcBef>
-                <a:spcPts val="0"/>
-              </a:spcBef>
-              <a:spcAft>
-                <a:spcPts val="0"/>
-              </a:spcAft>
-              <a:buClrTx/>
-              <a:buSzTx/>
-              <a:buFontTx/>
-              <a:buNone/>
-              <a:tabLst/>
-              <a:defRPr/>
-            </a:pPr>
-            <a:endParaRPr kumimoji="0" lang="en-US" sz="1800" b="0" i="0" u="none" strike="noStrike" kern="1200" cap="none" spc="0" normalizeH="0" baseline="0" noProof="0">
-              <a:ln>
-                <a:noFill/>
-              </a:ln>
-              <a:solidFill>
-                <a:srgbClr val="FFFFFF"/>
-              </a:solidFill>
-              <a:effectLst/>
-              <a:uLnTx/>
-              <a:uFillTx/>
-              <a:latin typeface="Calibri"/>
-              <a:ea typeface="+mn-ea"/>
-              <a:cs typeface="+mn-cs"/>
-            </a:endParaRPr>
-          </a:p>
-        </p:txBody>
-      </p:sp>
-      <p:sp>
-        <p:nvSpPr>
-          <p:cNvPr id="2" name="Title 1">
-            <a:extLst>
-              <a:ext uri="{FF2B5EF4-FFF2-40B4-BE49-F238E27FC236}">
-                <a16:creationId xmlns:a16="http://schemas.microsoft.com/office/drawing/2014/main" id="{3778BAB5-C1DE-8DAD-E76F-BECA6F24C1F4}"/>
-              </a:ext>
-            </a:extLst>
-          </p:cNvPr>
-          <p:cNvSpPr>
-            <a:spLocks noGrp="1"/>
-          </p:cNvSpPr>
-          <p:nvPr>
-            <p:ph type="title"/>
-          </p:nvPr>
-        </p:nvSpPr>
-        <p:spPr>
-          <a:xfrm>
-            <a:off x="1893715" y="708498"/>
-            <a:ext cx="9618581" cy="3330055"/>
-          </a:xfrm>
-        </p:spPr>
-        <p:txBody>
-          <a:bodyPr vert="horz" lIns="91440" tIns="45720" rIns="91440" bIns="45720" rtlCol="0" anchor="ctr">
-            <a:normAutofit/>
-          </a:bodyPr>
-          <a:lstStyle/>
-          <a:p>
-            <a:r>
-              <a:rPr lang="en-US" sz="6000" dirty="0">
-                <a:solidFill>
-                  <a:srgbClr val="FFFFFF"/>
-                </a:solidFill>
-              </a:rPr>
-              <a:t>7</a:t>
-            </a:r>
-            <a:r>
-              <a:rPr lang="en-US" sz="6000" b="0" kern="1200" cap="all" dirty="0">
-                <a:solidFill>
-                  <a:srgbClr val="FFFFFF"/>
-                </a:solidFill>
-                <a:latin typeface="+mj-lt"/>
-                <a:ea typeface="+mj-ea"/>
-                <a:cs typeface="+mj-cs"/>
-              </a:rPr>
-              <a:t>.1 </a:t>
-            </a:r>
-            <a:r>
-              <a:rPr lang="en-US" sz="6000" dirty="0">
-                <a:solidFill>
-                  <a:srgbClr val="FFFFFF"/>
-                </a:solidFill>
-              </a:rPr>
-              <a:t/>
-            </a:r>
-            <a:br>
-              <a:rPr lang="en-US" sz="6000" dirty="0">
-                <a:solidFill>
-                  <a:srgbClr val="FFFFFF"/>
-                </a:solidFill>
-              </a:rPr>
-            </a:br>
-            <a:r>
-              <a:rPr lang="en-US" sz="6000" dirty="0">
-                <a:solidFill>
-                  <a:srgbClr val="FFFFFF"/>
-                </a:solidFill>
-              </a:rPr>
-              <a:t>regression </a:t>
-            </a:r>
-            <a:r>
-              <a:rPr lang="en-US" sz="6000" dirty="0" err="1">
-                <a:solidFill>
-                  <a:srgbClr val="FFFFFF"/>
-                </a:solidFill>
-              </a:rPr>
-              <a:t>critisim</a:t>
-            </a:r>
-            <a:endParaRPr lang="en-US" sz="6000" b="0" kern="1200" cap="all" dirty="0">
-              <a:solidFill>
-                <a:srgbClr val="FFFFFF"/>
-              </a:solidFill>
-              <a:latin typeface="+mj-lt"/>
-              <a:ea typeface="+mj-ea"/>
-              <a:cs typeface="+mj-cs"/>
-            </a:endParaRPr>
-          </a:p>
-        </p:txBody>
-      </p:sp>
-      <p:sp>
-        <p:nvSpPr>
-          <p:cNvPr id="50" name="Rectangle 49">
-            <a:extLst>
-              <a:ext uri="{FF2B5EF4-FFF2-40B4-BE49-F238E27FC236}">
-                <a16:creationId xmlns:a16="http://schemas.microsoft.com/office/drawing/2014/main" id="{752BB805-F7B7-4B80-A1C5-385D4DAF74D0}"/>
-              </a:ext>
-              <a:ext uri="{C183D7F6-B498-43B3-948B-1728B52AA6E4}">
-                <adec:decorative xmlns:adec="http://schemas.microsoft.com/office/drawing/2017/decorative" xmlns="" val="1"/>
-              </a:ext>
-            </a:extLst>
-          </p:cNvPr>
-          <p:cNvSpPr>
-            <a:spLocks noGrp="1" noRot="1" noChangeAspect="1" noMove="1" noResize="1" noEditPoints="1" noAdjustHandles="1" noChangeArrowheads="1" noChangeShapeType="1" noTextEdit="1"/>
-          </p:cNvSpPr>
-          <p:nvPr>
-            <p:extLst>
-              <p:ext uri="{386F3935-93C4-4BCD-93E2-E3B085C9AB24}">
-                <p16:designElem xmlns:p16="http://schemas.microsoft.com/office/powerpoint/2015/main" val="1"/>
-              </p:ext>
-            </p:extLst>
-          </p:nvPr>
-        </p:nvSpPr>
-        <p:spPr>
-          <a:xfrm>
-            <a:off x="1712789" y="4284212"/>
-            <a:ext cx="9961115" cy="2072481"/>
-          </a:xfrm>
-          <a:prstGeom prst="rect">
-            <a:avLst/>
-          </a:prstGeom>
-          <a:solidFill>
-            <a:srgbClr val="6C7781">
-              <a:alpha val="80000"/>
-            </a:srgbClr>
-          </a:solidFill>
-          <a:ln>
-            <a:noFill/>
-          </a:ln>
-          <a:effectLst/>
-        </p:spPr>
-        <p:style>
-          <a:lnRef idx="1">
-            <a:schemeClr val="accent1"/>
-          </a:lnRef>
-          <a:fillRef idx="3">
-            <a:schemeClr val="accent1"/>
-          </a:fillRef>
-          <a:effectRef idx="2">
-            <a:schemeClr val="accent1"/>
-          </a:effectRef>
-          <a:fontRef idx="minor">
-            <a:schemeClr val="lt1"/>
-          </a:fontRef>
-        </p:style>
-        <p:txBody>
-          <a:bodyPr/>
-          <a:lstStyle/>
-          <a:p>
-            <a:pPr marL="0" marR="0" lvl="0" indent="0" algn="l" defTabSz="457200" rtl="0" eaLnBrk="1" fontAlgn="auto" latinLnBrk="0" hangingPunct="1">
-              <a:lnSpc>
-                <a:spcPct val="100000"/>
-              </a:lnSpc>
-              <a:spcBef>
-                <a:spcPts val="0"/>
-              </a:spcBef>
-              <a:spcAft>
-                <a:spcPts val="0"/>
-              </a:spcAft>
-              <a:buClrTx/>
-              <a:buSzTx/>
-              <a:buFontTx/>
-              <a:buNone/>
-              <a:tabLst/>
-              <a:defRPr/>
-            </a:pPr>
-            <a:endParaRPr kumimoji="0" lang="en-US" sz="1800" b="0" i="0" u="none" strike="noStrike" kern="1200" cap="none" spc="0" normalizeH="0" baseline="0" noProof="0">
-              <a:ln>
-                <a:noFill/>
-              </a:ln>
-              <a:solidFill>
-                <a:srgbClr val="FFFFFF"/>
-              </a:solidFill>
-              <a:effectLst/>
-              <a:uLnTx/>
-              <a:uFillTx/>
-              <a:latin typeface="Calibri"/>
-              <a:ea typeface="+mn-ea"/>
-              <a:cs typeface="+mn-cs"/>
-            </a:endParaRPr>
-          </a:p>
-        </p:txBody>
-      </p:sp>
-    </p:spTree>
-    <p:extLst>
-      <p:ext uri="{BB962C8B-B14F-4D97-AF65-F5344CB8AC3E}">
-        <p14:creationId xmlns:p14="http://schemas.microsoft.com/office/powerpoint/2010/main" val="1586883875"/>
-      </p:ext>
-    </p:extLst>
-  </p:cSld>
-  <p:clrMapOvr>
-    <a:masterClrMapping/>
-  </p:clrMapOvr>
-  <p:timing>
-    <p:tnLst>
-      <p:par>
-        <p:cTn id="1" dur="indefinite" restart="never" nodeType="tmRoot">
-          <p:childTnLst>
-            <p:seq concurrent="1" nextAc="seek">
-              <p:cTn id="2" dur="indefinite" nodeType="mainSeq">
-                <p:childTnLst>
-                  <p:par>
-                    <p:cTn id="3" fill="hold">
-                      <p:stCondLst>
-                        <p:cond delay="indefinite"/>
-                        <p:cond evt="onBegin" delay="0">
-                          <p:tn val="2"/>
-                        </p:cond>
-                      </p:stCondLst>
-                      <p:childTnLst>
-                        <p:par>
-                          <p:cTn id="4" fill="hold">
-                            <p:stCondLst>
-                              <p:cond delay="0"/>
-                            </p:stCondLst>
-                            <p:childTnLst>
-                              <p:par>
-                                <p:cTn id="5" presetID="10" presetClass="entr" presetSubtype="0" fill="hold" grpId="0" nodeType="withEffect">
-                                  <p:stCondLst>
-                                    <p:cond delay="500"/>
-                                  </p:stCondLst>
-                                  <p:iterate type="wd">
-                                    <p:tmPct val="15000"/>
-                                  </p:iterate>
-                                  <p:childTnLst>
-                                    <p:set>
-                                      <p:cBhvr>
-                                        <p:cTn id="6" dur="1" fill="hold">
-                                          <p:stCondLst>
-                                            <p:cond delay="0"/>
-                                          </p:stCondLst>
-                                        </p:cTn>
-                                        <p:tgtEl>
-                                          <p:spTgt spid="2"/>
-                                        </p:tgtEl>
-                                        <p:attrNameLst>
-                                          <p:attrName>style.visibility</p:attrName>
-                                        </p:attrNameLst>
-                                      </p:cBhvr>
-                                      <p:to>
-                                        <p:strVal val="visible"/>
-                                      </p:to>
-                                    </p:set>
-                                    <p:animEffect transition="in" filter="fade">
-                                      <p:cBhvr>
-                                        <p:cTn id="7" dur="1000"/>
-                                        <p:tgtEl>
-                                          <p:spTgt spid="2"/>
-                                        </p:tgtEl>
-                                      </p:cBhvr>
-                                    </p:animEffect>
-                                  </p:childTnLst>
-                                </p:cTn>
-                              </p:par>
-                            </p:childTnLst>
-                          </p:cTn>
-                        </p:par>
-                      </p:childTnLst>
-                    </p:cTn>
-                  </p:par>
-                </p:childTnLst>
-              </p:cTn>
-              <p:prevCondLst>
-                <p:cond evt="onPrev" delay="0">
-                  <p:tgtEl>
-                    <p:sldTgt/>
-                  </p:tgtEl>
-                </p:cond>
-              </p:prevCondLst>
-              <p:nextCondLst>
-                <p:cond evt="onNext" delay="0">
-                  <p:tgtEl>
-                    <p:sldTgt/>
-                  </p:tgtEl>
-                </p:cond>
-              </p:nextCondLst>
-            </p:seq>
-          </p:childTnLst>
-        </p:cTn>
-      </p:par>
-    </p:tnLst>
-    <p:bldLst>
-      <p:bldP spid="2" grpId="0"/>
-    </p:bldLst>
-  </p:timing>
-</p:sld>
-</file>
-
-<file path=ppt/slides/slide20.xml><?xml version="1.0" encoding="utf-8"?>
+<file path=ppt/slides/slide21.xml><?xml version="1.0" encoding="utf-8"?>
 <p:sld xmlns:a="http://schemas.openxmlformats.org/drawingml/2006/main" xmlns:r="http://schemas.openxmlformats.org/officeDocument/2006/relationships" xmlns:p="http://schemas.openxmlformats.org/presentationml/2006/main">
   <p:cSld>
     <p:spTree>
@@ -14653,7 +14511,7 @@
 </p:sld>
 </file>
 
-<file path=ppt/slides/slide21.xml><?xml version="1.0" encoding="utf-8"?>
+<file path=ppt/slides/slide22.xml><?xml version="1.0" encoding="utf-8"?>
 <p:sld xmlns:a="http://schemas.openxmlformats.org/drawingml/2006/main" xmlns:r="http://schemas.openxmlformats.org/officeDocument/2006/relationships" xmlns:p="http://schemas.openxmlformats.org/presentationml/2006/main">
   <p:cSld>
     <p:spTree>
@@ -14747,7 +14605,7 @@
 </p:sld>
 </file>
 
-<file path=ppt/slides/slide22.xml><?xml version="1.0" encoding="utf-8"?>
+<file path=ppt/slides/slide23.xml><?xml version="1.0" encoding="utf-8"?>
 <p:sld xmlns:a="http://schemas.openxmlformats.org/drawingml/2006/main" xmlns:r="http://schemas.openxmlformats.org/officeDocument/2006/relationships" xmlns:p="http://schemas.openxmlformats.org/presentationml/2006/main">
   <p:cSld>
     <p:spTree>
@@ -14905,7 +14763,7 @@
 </p:sld>
 </file>
 
-<file path=ppt/slides/slide23.xml><?xml version="1.0" encoding="utf-8"?>
+<file path=ppt/slides/slide24.xml><?xml version="1.0" encoding="utf-8"?>
 <p:sld xmlns:a="http://schemas.openxmlformats.org/drawingml/2006/main" xmlns:r="http://schemas.openxmlformats.org/officeDocument/2006/relationships" xmlns:p="http://schemas.openxmlformats.org/presentationml/2006/main">
   <p:cSld>
     <p:spTree>
@@ -14976,8 +14834,8 @@
           </a:prstGeom>
         </p:spPr>
       </p:pic>
-      <mc:AlternateContent xmlns:mc="http://schemas.openxmlformats.org/markup-compatibility/2006">
-        <mc:Choice xmlns:a14="http://schemas.microsoft.com/office/drawing/2010/main" Requires="a14">
+      <mc:AlternateContent xmlns:mc="http://schemas.openxmlformats.org/markup-compatibility/2006" xmlns:a14="http://schemas.microsoft.com/office/drawing/2010/main">
+        <mc:Choice Requires="a14">
           <p:sp>
             <p:nvSpPr>
               <p:cNvPr id="5" name="TextBox 4"/>
@@ -15038,7 +14896,7 @@
             </p:txBody>
           </p:sp>
         </mc:Choice>
-        <mc:Fallback>
+        <mc:Fallback xmlns="">
           <p:sp>
             <p:nvSpPr>
               <p:cNvPr id="5" name="TextBox 4"/>
@@ -15090,7 +14948,7 @@
 </p:sld>
 </file>
 
-<file path=ppt/slides/slide24.xml><?xml version="1.0" encoding="utf-8"?>
+<file path=ppt/slides/slide25.xml><?xml version="1.0" encoding="utf-8"?>
 <p:sld xmlns:a="http://schemas.openxmlformats.org/drawingml/2006/main" xmlns:r="http://schemas.openxmlformats.org/officeDocument/2006/relationships" xmlns:p="http://schemas.openxmlformats.org/presentationml/2006/main">
   <p:cSld>
     <p:spTree>
@@ -15385,7 +15243,7 @@
 </p:sld>
 </file>
 
-<file path=ppt/slides/slide25.xml><?xml version="1.0" encoding="utf-8"?>
+<file path=ppt/slides/slide26.xml><?xml version="1.0" encoding="utf-8"?>
 <p:sld xmlns:a="http://schemas.openxmlformats.org/drawingml/2006/main" xmlns:r="http://schemas.openxmlformats.org/officeDocument/2006/relationships" xmlns:p="http://schemas.openxmlformats.org/presentationml/2006/main">
   <p:cSld>
     <p:spTree>
@@ -15509,7 +15367,7 @@
 </p:sld>
 </file>
 
-<file path=ppt/slides/slide26.xml><?xml version="1.0" encoding="utf-8"?>
+<file path=ppt/slides/slide27.xml><?xml version="1.0" encoding="utf-8"?>
 <p:sld xmlns:a="http://schemas.openxmlformats.org/drawingml/2006/main" xmlns:r="http://schemas.openxmlformats.org/officeDocument/2006/relationships" xmlns:p="http://schemas.openxmlformats.org/presentationml/2006/main">
   <p:cSld>
     <p:spTree>
@@ -15886,7 +15744,7 @@
 </p:sld>
 </file>
 
-<file path=ppt/slides/slide27.xml><?xml version="1.0" encoding="utf-8"?>
+<file path=ppt/slides/slide28.xml><?xml version="1.0" encoding="utf-8"?>
 <p:sld xmlns:a="http://schemas.openxmlformats.org/drawingml/2006/main" xmlns:r="http://schemas.openxmlformats.org/officeDocument/2006/relationships" xmlns:p="http://schemas.openxmlformats.org/presentationml/2006/main">
   <p:cSld>
     <p:spTree>
@@ -16199,7 +16057,7 @@
 </p:sld>
 </file>
 
-<file path=ppt/slides/slide28.xml><?xml version="1.0" encoding="utf-8"?>
+<file path=ppt/slides/slide29.xml><?xml version="1.0" encoding="utf-8"?>
 <p:sld xmlns:a="http://schemas.openxmlformats.org/drawingml/2006/main" xmlns:r="http://schemas.openxmlformats.org/officeDocument/2006/relationships" xmlns:p="http://schemas.openxmlformats.org/presentationml/2006/main">
   <p:cSld>
     <p:spTree>
@@ -16380,7 +16238,954 @@
 </p:sld>
 </file>
 
-<file path=ppt/slides/slide29.xml><?xml version="1.0" encoding="utf-8"?>
+<file path=ppt/slides/slide3.xml><?xml version="1.0" encoding="utf-8"?>
+<p:sld xmlns:a="http://schemas.openxmlformats.org/drawingml/2006/main" xmlns:r="http://schemas.openxmlformats.org/officeDocument/2006/relationships" xmlns:p="http://schemas.openxmlformats.org/presentationml/2006/main">
+  <p:cSld>
+    <p:bg>
+      <p:bgPr>
+        <a:solidFill>
+          <a:schemeClr val="bg1"/>
+        </a:solidFill>
+        <a:effectLst/>
+      </p:bgPr>
+    </p:bg>
+    <p:spTree>
+      <p:nvGrpSpPr>
+        <p:cNvPr id="1" name=""/>
+        <p:cNvGrpSpPr/>
+        <p:nvPr/>
+      </p:nvGrpSpPr>
+      <p:grpSpPr>
+        <a:xfrm>
+          <a:off x="0" y="0"/>
+          <a:ext cx="0" cy="0"/>
+          <a:chOff x="0" y="0"/>
+          <a:chExt cx="0" cy="0"/>
+        </a:xfrm>
+      </p:grpSpPr>
+      <p:sp>
+        <p:nvSpPr>
+          <p:cNvPr id="36" name="Rectangle 35">
+            <a:extLst>
+              <a:ext uri="{FF2B5EF4-FFF2-40B4-BE49-F238E27FC236}">
+                <a16:creationId xmlns:a16="http://schemas.microsoft.com/office/drawing/2014/main" id="{DCF4EB5C-ED25-4675-8255-2F5B12CFFCF0}"/>
+              </a:ext>
+              <a:ext uri="{C183D7F6-B498-43B3-948B-1728B52AA6E4}">
+                <adec:decorative xmlns="" xmlns:adec="http://schemas.microsoft.com/office/drawing/2017/decorative" val="1"/>
+              </a:ext>
+            </a:extLst>
+          </p:cNvPr>
+          <p:cNvSpPr>
+            <a:spLocks noGrp="1" noRot="1" noChangeAspect="1" noMove="1" noResize="1" noEditPoints="1" noAdjustHandles="1" noChangeArrowheads="1" noChangeShapeType="1" noTextEdit="1"/>
+          </p:cNvSpPr>
+          <p:nvPr>
+            <p:extLst>
+              <p:ext uri="{386F3935-93C4-4BCD-93E2-E3B085C9AB24}">
+                <p16:designElem xmlns:p16="http://schemas.microsoft.com/office/powerpoint/2015/main" val="1"/>
+              </p:ext>
+            </p:extLst>
+          </p:nvPr>
+        </p:nvSpPr>
+        <p:spPr>
+          <a:xfrm>
+            <a:off x="446534" y="457200"/>
+            <a:ext cx="3703320" cy="94997"/>
+          </a:xfrm>
+          <a:prstGeom prst="rect">
+            <a:avLst/>
+          </a:prstGeom>
+          <a:solidFill>
+            <a:srgbClr val="465359"/>
+          </a:solidFill>
+          <a:ln>
+            <a:noFill/>
+          </a:ln>
+          <a:effectLst/>
+        </p:spPr>
+        <p:style>
+          <a:lnRef idx="1">
+            <a:schemeClr val="accent1"/>
+          </a:lnRef>
+          <a:fillRef idx="3">
+            <a:schemeClr val="accent1"/>
+          </a:fillRef>
+          <a:effectRef idx="2">
+            <a:schemeClr val="accent1"/>
+          </a:effectRef>
+          <a:fontRef idx="minor">
+            <a:schemeClr val="lt1"/>
+          </a:fontRef>
+        </p:style>
+        <p:txBody>
+          <a:bodyPr/>
+          <a:lstStyle/>
+          <a:p>
+            <a:pPr marL="0" marR="0" lvl="0" indent="0" algn="l" defTabSz="457200" rtl="0" eaLnBrk="1" fontAlgn="auto" latinLnBrk="0" hangingPunct="1">
+              <a:lnSpc>
+                <a:spcPct val="100000"/>
+              </a:lnSpc>
+              <a:spcBef>
+                <a:spcPts val="0"/>
+              </a:spcBef>
+              <a:spcAft>
+                <a:spcPts val="0"/>
+              </a:spcAft>
+              <a:buClrTx/>
+              <a:buSzTx/>
+              <a:buFontTx/>
+              <a:buNone/>
+              <a:tabLst/>
+              <a:defRPr/>
+            </a:pPr>
+            <a:endParaRPr kumimoji="0" lang="en-US" sz="1800" b="0" i="0" u="none" strike="noStrike" kern="1200" cap="none" spc="0" normalizeH="0" baseline="0" noProof="0">
+              <a:ln>
+                <a:noFill/>
+              </a:ln>
+              <a:solidFill>
+                <a:srgbClr val="FFFFFF"/>
+              </a:solidFill>
+              <a:effectLst/>
+              <a:uLnTx/>
+              <a:uFillTx/>
+              <a:latin typeface="Calibri"/>
+              <a:ea typeface="+mn-ea"/>
+              <a:cs typeface="+mn-cs"/>
+            </a:endParaRPr>
+          </a:p>
+        </p:txBody>
+      </p:sp>
+      <p:sp>
+        <p:nvSpPr>
+          <p:cNvPr id="38" name="Rectangle 37">
+            <a:extLst>
+              <a:ext uri="{FF2B5EF4-FFF2-40B4-BE49-F238E27FC236}">
+                <a16:creationId xmlns:a16="http://schemas.microsoft.com/office/drawing/2014/main" id="{9514EC6E-A557-42A2-BCDC-3ABFFC5E564D}"/>
+              </a:ext>
+              <a:ext uri="{C183D7F6-B498-43B3-948B-1728B52AA6E4}">
+                <adec:decorative xmlns="" xmlns:adec="http://schemas.microsoft.com/office/drawing/2017/decorative" val="1"/>
+              </a:ext>
+            </a:extLst>
+          </p:cNvPr>
+          <p:cNvSpPr>
+            <a:spLocks noGrp="1" noRot="1" noChangeAspect="1" noMove="1" noResize="1" noEditPoints="1" noAdjustHandles="1" noChangeArrowheads="1" noChangeShapeType="1" noTextEdit="1"/>
+          </p:cNvSpPr>
+          <p:nvPr>
+            <p:extLst>
+              <p:ext uri="{386F3935-93C4-4BCD-93E2-E3B085C9AB24}">
+                <p16:designElem xmlns:p16="http://schemas.microsoft.com/office/powerpoint/2015/main" val="1"/>
+              </p:ext>
+            </p:extLst>
+          </p:nvPr>
+        </p:nvSpPr>
+        <p:spPr>
+          <a:xfrm>
+            <a:off x="8042147" y="453643"/>
+            <a:ext cx="3703320" cy="98554"/>
+          </a:xfrm>
+          <a:prstGeom prst="rect">
+            <a:avLst/>
+          </a:prstGeom>
+          <a:solidFill>
+            <a:srgbClr val="969FA7"/>
+          </a:solidFill>
+          <a:ln>
+            <a:noFill/>
+          </a:ln>
+          <a:effectLst/>
+        </p:spPr>
+        <p:style>
+          <a:lnRef idx="1">
+            <a:schemeClr val="accent1"/>
+          </a:lnRef>
+          <a:fillRef idx="3">
+            <a:schemeClr val="accent1"/>
+          </a:fillRef>
+          <a:effectRef idx="2">
+            <a:schemeClr val="accent1"/>
+          </a:effectRef>
+          <a:fontRef idx="minor">
+            <a:schemeClr val="lt1"/>
+          </a:fontRef>
+        </p:style>
+        <p:txBody>
+          <a:bodyPr/>
+          <a:lstStyle/>
+          <a:p>
+            <a:pPr marL="0" marR="0" lvl="0" indent="0" algn="l" defTabSz="457200" rtl="0" eaLnBrk="1" fontAlgn="auto" latinLnBrk="0" hangingPunct="1">
+              <a:lnSpc>
+                <a:spcPct val="100000"/>
+              </a:lnSpc>
+              <a:spcBef>
+                <a:spcPts val="0"/>
+              </a:spcBef>
+              <a:spcAft>
+                <a:spcPts val="0"/>
+              </a:spcAft>
+              <a:buClrTx/>
+              <a:buSzTx/>
+              <a:buFontTx/>
+              <a:buNone/>
+              <a:tabLst/>
+              <a:defRPr/>
+            </a:pPr>
+            <a:endParaRPr kumimoji="0" lang="en-US" sz="1800" b="0" i="0" u="none" strike="noStrike" kern="1200" cap="none" spc="0" normalizeH="0" baseline="0" noProof="0">
+              <a:ln>
+                <a:noFill/>
+              </a:ln>
+              <a:solidFill>
+                <a:srgbClr val="FFFFFF"/>
+              </a:solidFill>
+              <a:effectLst/>
+              <a:uLnTx/>
+              <a:uFillTx/>
+              <a:latin typeface="Calibri"/>
+              <a:ea typeface="+mn-ea"/>
+              <a:cs typeface="+mn-cs"/>
+            </a:endParaRPr>
+          </a:p>
+        </p:txBody>
+      </p:sp>
+      <p:sp>
+        <p:nvSpPr>
+          <p:cNvPr id="40" name="Rectangle 39">
+            <a:extLst>
+              <a:ext uri="{FF2B5EF4-FFF2-40B4-BE49-F238E27FC236}">
+                <a16:creationId xmlns:a16="http://schemas.microsoft.com/office/drawing/2014/main" id="{905482C9-EB42-4BFE-95BF-7FD661F07657}"/>
+              </a:ext>
+              <a:ext uri="{C183D7F6-B498-43B3-948B-1728B52AA6E4}">
+                <adec:decorative xmlns="" xmlns:adec="http://schemas.microsoft.com/office/drawing/2017/decorative" val="1"/>
+              </a:ext>
+            </a:extLst>
+          </p:cNvPr>
+          <p:cNvSpPr>
+            <a:spLocks noGrp="1" noRot="1" noChangeAspect="1" noMove="1" noResize="1" noEditPoints="1" noAdjustHandles="1" noChangeArrowheads="1" noChangeShapeType="1" noTextEdit="1"/>
+          </p:cNvSpPr>
+          <p:nvPr>
+            <p:extLst>
+              <p:ext uri="{386F3935-93C4-4BCD-93E2-E3B085C9AB24}">
+                <p16:designElem xmlns:p16="http://schemas.microsoft.com/office/powerpoint/2015/main" val="1"/>
+              </p:ext>
+            </p:extLst>
+          </p:nvPr>
+        </p:nvSpPr>
+        <p:spPr>
+          <a:xfrm>
+            <a:off x="4241830" y="457200"/>
+            <a:ext cx="3703320" cy="91440"/>
+          </a:xfrm>
+          <a:prstGeom prst="rect">
+            <a:avLst/>
+          </a:prstGeom>
+          <a:solidFill>
+            <a:schemeClr val="accent1"/>
+          </a:solidFill>
+          <a:ln>
+            <a:noFill/>
+          </a:ln>
+          <a:effectLst/>
+        </p:spPr>
+        <p:style>
+          <a:lnRef idx="1">
+            <a:schemeClr val="accent1"/>
+          </a:lnRef>
+          <a:fillRef idx="3">
+            <a:schemeClr val="accent1"/>
+          </a:fillRef>
+          <a:effectRef idx="2">
+            <a:schemeClr val="accent1"/>
+          </a:effectRef>
+          <a:fontRef idx="minor">
+            <a:schemeClr val="lt1"/>
+          </a:fontRef>
+        </p:style>
+        <p:txBody>
+          <a:bodyPr/>
+          <a:lstStyle/>
+          <a:p>
+            <a:pPr marL="0" marR="0" lvl="0" indent="0" algn="l" defTabSz="457200" rtl="0" eaLnBrk="1" fontAlgn="auto" latinLnBrk="0" hangingPunct="1">
+              <a:lnSpc>
+                <a:spcPct val="100000"/>
+              </a:lnSpc>
+              <a:spcBef>
+                <a:spcPts val="0"/>
+              </a:spcBef>
+              <a:spcAft>
+                <a:spcPts val="0"/>
+              </a:spcAft>
+              <a:buClrTx/>
+              <a:buSzTx/>
+              <a:buFontTx/>
+              <a:buNone/>
+              <a:tabLst/>
+              <a:defRPr/>
+            </a:pPr>
+            <a:endParaRPr kumimoji="0" lang="en-US" sz="1800" b="0" i="0" u="none" strike="noStrike" kern="1200" cap="none" spc="0" normalizeH="0" baseline="0" noProof="0">
+              <a:ln>
+                <a:noFill/>
+              </a:ln>
+              <a:solidFill>
+                <a:srgbClr val="FFFFFF"/>
+              </a:solidFill>
+              <a:effectLst/>
+              <a:uLnTx/>
+              <a:uFillTx/>
+              <a:latin typeface="Calibri"/>
+              <a:ea typeface="+mn-ea"/>
+              <a:cs typeface="+mn-cs"/>
+            </a:endParaRPr>
+          </a:p>
+        </p:txBody>
+      </p:sp>
+      <p:sp>
+        <p:nvSpPr>
+          <p:cNvPr id="42" name="Rectangle 41">
+            <a:extLst>
+              <a:ext uri="{FF2B5EF4-FFF2-40B4-BE49-F238E27FC236}">
+                <a16:creationId xmlns:a16="http://schemas.microsoft.com/office/drawing/2014/main" id="{7539E646-A625-4A26-86ED-BD90EDD329F7}"/>
+              </a:ext>
+              <a:ext uri="{C183D7F6-B498-43B3-948B-1728B52AA6E4}">
+                <adec:decorative xmlns="" xmlns:adec="http://schemas.microsoft.com/office/drawing/2017/decorative" val="1"/>
+              </a:ext>
+            </a:extLst>
+          </p:cNvPr>
+          <p:cNvSpPr>
+            <a:spLocks noGrp="1" noRot="1" noChangeAspect="1" noMove="1" noResize="1" noEditPoints="1" noAdjustHandles="1" noChangeArrowheads="1" noChangeShapeType="1" noTextEdit="1"/>
+          </p:cNvSpPr>
+          <p:nvPr>
+            <p:extLst>
+              <p:ext uri="{386F3935-93C4-4BCD-93E2-E3B085C9AB24}">
+                <p16:designElem xmlns:p16="http://schemas.microsoft.com/office/powerpoint/2015/main" val="1"/>
+              </p:ext>
+            </p:extLst>
+          </p:nvPr>
+        </p:nvSpPr>
+        <p:spPr>
+          <a:xfrm>
+            <a:off x="446534" y="3085764"/>
+            <a:ext cx="11298932" cy="3338149"/>
+          </a:xfrm>
+          <a:prstGeom prst="rect">
+            <a:avLst/>
+          </a:prstGeom>
+          <a:solidFill>
+            <a:srgbClr val="465359"/>
+          </a:solidFill>
+          <a:ln>
+            <a:noFill/>
+          </a:ln>
+          <a:effectLst/>
+        </p:spPr>
+        <p:style>
+          <a:lnRef idx="1">
+            <a:schemeClr val="accent1"/>
+          </a:lnRef>
+          <a:fillRef idx="3">
+            <a:schemeClr val="accent1"/>
+          </a:fillRef>
+          <a:effectRef idx="2">
+            <a:schemeClr val="accent1"/>
+          </a:effectRef>
+          <a:fontRef idx="minor">
+            <a:schemeClr val="lt1"/>
+          </a:fontRef>
+        </p:style>
+        <p:txBody>
+          <a:bodyPr/>
+          <a:lstStyle/>
+          <a:p>
+            <a:pPr marL="0" marR="0" lvl="0" indent="0" algn="l" defTabSz="457200" rtl="0" eaLnBrk="1" fontAlgn="auto" latinLnBrk="0" hangingPunct="1">
+              <a:lnSpc>
+                <a:spcPct val="100000"/>
+              </a:lnSpc>
+              <a:spcBef>
+                <a:spcPts val="0"/>
+              </a:spcBef>
+              <a:spcAft>
+                <a:spcPts val="0"/>
+              </a:spcAft>
+              <a:buClrTx/>
+              <a:buSzTx/>
+              <a:buFontTx/>
+              <a:buNone/>
+              <a:tabLst/>
+              <a:defRPr/>
+            </a:pPr>
+            <a:endParaRPr kumimoji="0" lang="en-US" sz="1800" b="0" i="0" u="none" strike="noStrike" kern="1200" cap="none" spc="0" normalizeH="0" baseline="0" noProof="0">
+              <a:ln>
+                <a:noFill/>
+              </a:ln>
+              <a:solidFill>
+                <a:srgbClr val="FFFFFF"/>
+              </a:solidFill>
+              <a:effectLst/>
+              <a:uLnTx/>
+              <a:uFillTx/>
+              <a:latin typeface="Calibri"/>
+              <a:ea typeface="+mn-ea"/>
+              <a:cs typeface="+mn-cs"/>
+            </a:endParaRPr>
+          </a:p>
+        </p:txBody>
+      </p:sp>
+      <p:sp useBgFill="1">
+        <p:nvSpPr>
+          <p:cNvPr id="44" name="Rectangle 43">
+            <a:extLst>
+              <a:ext uri="{FF2B5EF4-FFF2-40B4-BE49-F238E27FC236}">
+                <a16:creationId xmlns:a16="http://schemas.microsoft.com/office/drawing/2014/main" id="{39171204-6A50-40E1-B631-84CEDFC9396A}"/>
+              </a:ext>
+              <a:ext uri="{C183D7F6-B498-43B3-948B-1728B52AA6E4}">
+                <adec:decorative xmlns="" xmlns:adec="http://schemas.microsoft.com/office/drawing/2017/decorative" val="1"/>
+              </a:ext>
+            </a:extLst>
+          </p:cNvPr>
+          <p:cNvSpPr>
+            <a:spLocks noGrp="1" noRot="1" noChangeAspect="1" noMove="1" noResize="1" noEditPoints="1" noAdjustHandles="1" noChangeArrowheads="1" noChangeShapeType="1" noTextEdit="1"/>
+          </p:cNvSpPr>
+          <p:nvPr>
+            <p:extLst>
+              <p:ext uri="{386F3935-93C4-4BCD-93E2-E3B085C9AB24}">
+                <p16:designElem xmlns:p16="http://schemas.microsoft.com/office/powerpoint/2015/main" val="1"/>
+              </p:ext>
+            </p:extLst>
+          </p:nvPr>
+        </p:nvSpPr>
+        <p:spPr>
+          <a:xfrm>
+            <a:off x="0" y="0"/>
+            <a:ext cx="12192000" cy="6858000"/>
+          </a:xfrm>
+          <a:prstGeom prst="rect">
+            <a:avLst/>
+          </a:prstGeom>
+          <a:ln>
+            <a:noFill/>
+          </a:ln>
+        </p:spPr>
+        <p:style>
+          <a:lnRef idx="2">
+            <a:schemeClr val="accent1">
+              <a:shade val="50000"/>
+            </a:schemeClr>
+          </a:lnRef>
+          <a:fillRef idx="1">
+            <a:schemeClr val="accent1"/>
+          </a:fillRef>
+          <a:effectRef idx="0">
+            <a:schemeClr val="accent1"/>
+          </a:effectRef>
+          <a:fontRef idx="minor">
+            <a:schemeClr val="lt1"/>
+          </a:fontRef>
+        </p:style>
+        <p:txBody>
+          <a:bodyPr rtlCol="0" anchor="ctr"/>
+          <a:lstStyle/>
+          <a:p>
+            <a:pPr marL="0" marR="0" lvl="0" indent="0" algn="ctr" defTabSz="457200" rtl="0" eaLnBrk="1" fontAlgn="auto" latinLnBrk="0" hangingPunct="1">
+              <a:lnSpc>
+                <a:spcPct val="100000"/>
+              </a:lnSpc>
+              <a:spcBef>
+                <a:spcPts val="0"/>
+              </a:spcBef>
+              <a:spcAft>
+                <a:spcPts val="0"/>
+              </a:spcAft>
+              <a:buClrTx/>
+              <a:buSzTx/>
+              <a:buFontTx/>
+              <a:buNone/>
+              <a:tabLst/>
+              <a:defRPr/>
+            </a:pPr>
+            <a:endParaRPr kumimoji="0" lang="en-US" sz="1800" b="0" i="0" u="none" strike="noStrike" kern="1200" cap="none" spc="0" normalizeH="0" baseline="0" noProof="0">
+              <a:ln>
+                <a:noFill/>
+              </a:ln>
+              <a:solidFill>
+                <a:srgbClr val="FFFFFF"/>
+              </a:solidFill>
+              <a:effectLst/>
+              <a:uLnTx/>
+              <a:uFillTx/>
+              <a:latin typeface="Calibri"/>
+              <a:ea typeface="+mn-ea"/>
+              <a:cs typeface="+mn-cs"/>
+            </a:endParaRPr>
+          </a:p>
+        </p:txBody>
+      </p:sp>
+      <p:sp>
+        <p:nvSpPr>
+          <p:cNvPr id="46" name="Rectangle 45">
+            <a:extLst>
+              <a:ext uri="{FF2B5EF4-FFF2-40B4-BE49-F238E27FC236}">
+                <a16:creationId xmlns:a16="http://schemas.microsoft.com/office/drawing/2014/main" id="{06C973F6-5187-412F-AACC-6E3FF8A6A12C}"/>
+              </a:ext>
+              <a:ext uri="{C183D7F6-B498-43B3-948B-1728B52AA6E4}">
+                <adec:decorative xmlns="" xmlns:adec="http://schemas.microsoft.com/office/drawing/2017/decorative" val="1"/>
+              </a:ext>
+            </a:extLst>
+          </p:cNvPr>
+          <p:cNvSpPr>
+            <a:spLocks noGrp="1" noRot="1" noChangeAspect="1" noMove="1" noResize="1" noEditPoints="1" noAdjustHandles="1" noChangeArrowheads="1" noChangeShapeType="1" noTextEdit="1"/>
+          </p:cNvSpPr>
+          <p:nvPr>
+            <p:extLst>
+              <p:ext uri="{386F3935-93C4-4BCD-93E2-E3B085C9AB24}">
+                <p16:designElem xmlns:p16="http://schemas.microsoft.com/office/powerpoint/2015/main" val="1"/>
+              </p:ext>
+            </p:extLst>
+          </p:nvPr>
+        </p:nvSpPr>
+        <p:spPr>
+          <a:xfrm>
+            <a:off x="509628" y="496959"/>
+            <a:ext cx="1106164" cy="5859735"/>
+          </a:xfrm>
+          <a:prstGeom prst="rect">
+            <a:avLst/>
+          </a:prstGeom>
+          <a:solidFill>
+            <a:srgbClr val="465359"/>
+          </a:solidFill>
+          <a:ln>
+            <a:noFill/>
+          </a:ln>
+          <a:effectLst/>
+        </p:spPr>
+        <p:style>
+          <a:lnRef idx="1">
+            <a:schemeClr val="accent1"/>
+          </a:lnRef>
+          <a:fillRef idx="3">
+            <a:schemeClr val="accent1"/>
+          </a:fillRef>
+          <a:effectRef idx="2">
+            <a:schemeClr val="accent1"/>
+          </a:effectRef>
+          <a:fontRef idx="minor">
+            <a:schemeClr val="lt1"/>
+          </a:fontRef>
+        </p:style>
+        <p:txBody>
+          <a:bodyPr/>
+          <a:lstStyle/>
+          <a:p>
+            <a:pPr marL="0" marR="0" lvl="0" indent="0" algn="l" defTabSz="457200" rtl="0" eaLnBrk="1" fontAlgn="auto" latinLnBrk="0" hangingPunct="1">
+              <a:lnSpc>
+                <a:spcPct val="100000"/>
+              </a:lnSpc>
+              <a:spcBef>
+                <a:spcPts val="0"/>
+              </a:spcBef>
+              <a:spcAft>
+                <a:spcPts val="0"/>
+              </a:spcAft>
+              <a:buClrTx/>
+              <a:buSzTx/>
+              <a:buFontTx/>
+              <a:buNone/>
+              <a:tabLst/>
+              <a:defRPr/>
+            </a:pPr>
+            <a:endParaRPr kumimoji="0" lang="en-US" sz="1800" b="0" i="0" u="none" strike="noStrike" kern="1200" cap="none" spc="0" normalizeH="0" baseline="0" noProof="0">
+              <a:ln>
+                <a:noFill/>
+              </a:ln>
+              <a:solidFill>
+                <a:srgbClr val="FFFFFF"/>
+              </a:solidFill>
+              <a:effectLst/>
+              <a:uLnTx/>
+              <a:uFillTx/>
+              <a:latin typeface="Calibri"/>
+              <a:ea typeface="+mn-ea"/>
+              <a:cs typeface="+mn-cs"/>
+            </a:endParaRPr>
+          </a:p>
+        </p:txBody>
+      </p:sp>
+      <p:sp>
+        <p:nvSpPr>
+          <p:cNvPr id="48" name="Rectangle 47">
+            <a:extLst>
+              <a:ext uri="{FF2B5EF4-FFF2-40B4-BE49-F238E27FC236}">
+                <a16:creationId xmlns:a16="http://schemas.microsoft.com/office/drawing/2014/main" id="{D11AE14F-1B7E-41E6-B579-2F71D135036C}"/>
+              </a:ext>
+              <a:ext uri="{C183D7F6-B498-43B3-948B-1728B52AA6E4}">
+                <adec:decorative xmlns="" xmlns:adec="http://schemas.microsoft.com/office/drawing/2017/decorative" val="1"/>
+              </a:ext>
+            </a:extLst>
+          </p:cNvPr>
+          <p:cNvSpPr>
+            <a:spLocks noGrp="1" noRot="1" noChangeAspect="1" noMove="1" noResize="1" noEditPoints="1" noAdjustHandles="1" noChangeArrowheads="1" noChangeShapeType="1" noTextEdit="1"/>
+          </p:cNvSpPr>
+          <p:nvPr>
+            <p:extLst>
+              <p:ext uri="{386F3935-93C4-4BCD-93E2-E3B085C9AB24}">
+                <p16:designElem xmlns:p16="http://schemas.microsoft.com/office/powerpoint/2015/main" val="1"/>
+              </p:ext>
+            </p:extLst>
+          </p:nvPr>
+        </p:nvSpPr>
+        <p:spPr>
+          <a:xfrm>
+            <a:off x="1712856" y="496958"/>
+            <a:ext cx="9961047" cy="3678072"/>
+          </a:xfrm>
+          <a:prstGeom prst="rect">
+            <a:avLst/>
+          </a:prstGeom>
+          <a:solidFill>
+            <a:schemeClr val="accent1"/>
+          </a:solidFill>
+          <a:ln>
+            <a:noFill/>
+          </a:ln>
+          <a:effectLst/>
+        </p:spPr>
+        <p:style>
+          <a:lnRef idx="1">
+            <a:schemeClr val="accent1"/>
+          </a:lnRef>
+          <a:fillRef idx="3">
+            <a:schemeClr val="accent1"/>
+          </a:fillRef>
+          <a:effectRef idx="2">
+            <a:schemeClr val="accent1"/>
+          </a:effectRef>
+          <a:fontRef idx="minor">
+            <a:schemeClr val="lt1"/>
+          </a:fontRef>
+        </p:style>
+        <p:txBody>
+          <a:bodyPr/>
+          <a:lstStyle/>
+          <a:p>
+            <a:pPr marL="0" marR="0" lvl="0" indent="0" algn="l" defTabSz="457200" rtl="0" eaLnBrk="1" fontAlgn="auto" latinLnBrk="0" hangingPunct="1">
+              <a:lnSpc>
+                <a:spcPct val="100000"/>
+              </a:lnSpc>
+              <a:spcBef>
+                <a:spcPts val="0"/>
+              </a:spcBef>
+              <a:spcAft>
+                <a:spcPts val="0"/>
+              </a:spcAft>
+              <a:buClrTx/>
+              <a:buSzTx/>
+              <a:buFontTx/>
+              <a:buNone/>
+              <a:tabLst/>
+              <a:defRPr/>
+            </a:pPr>
+            <a:endParaRPr kumimoji="0" lang="en-US" sz="1800" b="0" i="0" u="none" strike="noStrike" kern="1200" cap="none" spc="0" normalizeH="0" baseline="0" noProof="0">
+              <a:ln>
+                <a:noFill/>
+              </a:ln>
+              <a:solidFill>
+                <a:srgbClr val="FFFFFF"/>
+              </a:solidFill>
+              <a:effectLst/>
+              <a:uLnTx/>
+              <a:uFillTx/>
+              <a:latin typeface="Calibri"/>
+              <a:ea typeface="+mn-ea"/>
+              <a:cs typeface="+mn-cs"/>
+            </a:endParaRPr>
+          </a:p>
+        </p:txBody>
+      </p:sp>
+      <p:sp>
+        <p:nvSpPr>
+          <p:cNvPr id="2" name="Title 1">
+            <a:extLst>
+              <a:ext uri="{FF2B5EF4-FFF2-40B4-BE49-F238E27FC236}">
+                <a16:creationId xmlns:a16="http://schemas.microsoft.com/office/drawing/2014/main" id="{3778BAB5-C1DE-8DAD-E76F-BECA6F24C1F4}"/>
+              </a:ext>
+            </a:extLst>
+          </p:cNvPr>
+          <p:cNvSpPr>
+            <a:spLocks noGrp="1"/>
+          </p:cNvSpPr>
+          <p:nvPr>
+            <p:ph type="title"/>
+          </p:nvPr>
+        </p:nvSpPr>
+        <p:spPr>
+          <a:xfrm>
+            <a:off x="1893715" y="708498"/>
+            <a:ext cx="9618581" cy="3330055"/>
+          </a:xfrm>
+        </p:spPr>
+        <p:txBody>
+          <a:bodyPr vert="horz" lIns="91440" tIns="45720" rIns="91440" bIns="45720" rtlCol="0" anchor="ctr">
+            <a:normAutofit/>
+          </a:bodyPr>
+          <a:lstStyle/>
+          <a:p>
+            <a:r>
+              <a:rPr lang="en-US" sz="6000" dirty="0">
+                <a:solidFill>
+                  <a:srgbClr val="FFFFFF"/>
+                </a:solidFill>
+              </a:rPr>
+              <a:t>7</a:t>
+            </a:r>
+            <a:r>
+              <a:rPr lang="en-US" sz="6000" b="0" kern="1200" cap="all" dirty="0">
+                <a:solidFill>
+                  <a:srgbClr val="FFFFFF"/>
+                </a:solidFill>
+                <a:latin typeface="+mj-lt"/>
+                <a:ea typeface="+mj-ea"/>
+                <a:cs typeface="+mj-cs"/>
+              </a:rPr>
+              <a:t>.1 </a:t>
+            </a:r>
+            <a:r>
+              <a:rPr lang="en-US" sz="6000" dirty="0">
+                <a:solidFill>
+                  <a:srgbClr val="FFFFFF"/>
+                </a:solidFill>
+              </a:rPr>
+              <a:t/>
+            </a:r>
+            <a:br>
+              <a:rPr lang="en-US" sz="6000" dirty="0">
+                <a:solidFill>
+                  <a:srgbClr val="FFFFFF"/>
+                </a:solidFill>
+              </a:rPr>
+            </a:br>
+            <a:r>
+              <a:rPr lang="en-US" sz="6000" dirty="0">
+                <a:solidFill>
+                  <a:srgbClr val="FFFFFF"/>
+                </a:solidFill>
+              </a:rPr>
+              <a:t>regression </a:t>
+            </a:r>
+            <a:r>
+              <a:rPr lang="en-US" sz="6000" dirty="0" err="1">
+                <a:solidFill>
+                  <a:srgbClr val="FFFFFF"/>
+                </a:solidFill>
+              </a:rPr>
+              <a:t>critisim</a:t>
+            </a:r>
+            <a:endParaRPr lang="en-US" sz="6000" b="0" kern="1200" cap="all" dirty="0">
+              <a:solidFill>
+                <a:srgbClr val="FFFFFF"/>
+              </a:solidFill>
+              <a:latin typeface="+mj-lt"/>
+              <a:ea typeface="+mj-ea"/>
+              <a:cs typeface="+mj-cs"/>
+            </a:endParaRPr>
+          </a:p>
+        </p:txBody>
+      </p:sp>
+      <p:sp>
+        <p:nvSpPr>
+          <p:cNvPr id="50" name="Rectangle 49">
+            <a:extLst>
+              <a:ext uri="{FF2B5EF4-FFF2-40B4-BE49-F238E27FC236}">
+                <a16:creationId xmlns:a16="http://schemas.microsoft.com/office/drawing/2014/main" id="{752BB805-F7B7-4B80-A1C5-385D4DAF74D0}"/>
+              </a:ext>
+              <a:ext uri="{C183D7F6-B498-43B3-948B-1728B52AA6E4}">
+                <adec:decorative xmlns="" xmlns:adec="http://schemas.microsoft.com/office/drawing/2017/decorative" val="1"/>
+              </a:ext>
+            </a:extLst>
+          </p:cNvPr>
+          <p:cNvSpPr>
+            <a:spLocks noGrp="1" noRot="1" noChangeAspect="1" noMove="1" noResize="1" noEditPoints="1" noAdjustHandles="1" noChangeArrowheads="1" noChangeShapeType="1" noTextEdit="1"/>
+          </p:cNvSpPr>
+          <p:nvPr>
+            <p:extLst>
+              <p:ext uri="{386F3935-93C4-4BCD-93E2-E3B085C9AB24}">
+                <p16:designElem xmlns:p16="http://schemas.microsoft.com/office/powerpoint/2015/main" val="1"/>
+              </p:ext>
+            </p:extLst>
+          </p:nvPr>
+        </p:nvSpPr>
+        <p:spPr>
+          <a:xfrm>
+            <a:off x="1712789" y="4284212"/>
+            <a:ext cx="9961115" cy="2072481"/>
+          </a:xfrm>
+          <a:prstGeom prst="rect">
+            <a:avLst/>
+          </a:prstGeom>
+          <a:solidFill>
+            <a:srgbClr val="6C7781">
+              <a:alpha val="80000"/>
+            </a:srgbClr>
+          </a:solidFill>
+          <a:ln>
+            <a:noFill/>
+          </a:ln>
+          <a:effectLst/>
+        </p:spPr>
+        <p:style>
+          <a:lnRef idx="1">
+            <a:schemeClr val="accent1"/>
+          </a:lnRef>
+          <a:fillRef idx="3">
+            <a:schemeClr val="accent1"/>
+          </a:fillRef>
+          <a:effectRef idx="2">
+            <a:schemeClr val="accent1"/>
+          </a:effectRef>
+          <a:fontRef idx="minor">
+            <a:schemeClr val="lt1"/>
+          </a:fontRef>
+        </p:style>
+        <p:txBody>
+          <a:bodyPr/>
+          <a:lstStyle/>
+          <a:p>
+            <a:pPr marL="0" marR="0" lvl="0" indent="0" algn="l" defTabSz="457200" rtl="0" eaLnBrk="1" fontAlgn="auto" latinLnBrk="0" hangingPunct="1">
+              <a:lnSpc>
+                <a:spcPct val="100000"/>
+              </a:lnSpc>
+              <a:spcBef>
+                <a:spcPts val="0"/>
+              </a:spcBef>
+              <a:spcAft>
+                <a:spcPts val="0"/>
+              </a:spcAft>
+              <a:buClrTx/>
+              <a:buSzTx/>
+              <a:buFontTx/>
+              <a:buNone/>
+              <a:tabLst/>
+              <a:defRPr/>
+            </a:pPr>
+            <a:endParaRPr kumimoji="0" lang="en-US" sz="1800" b="0" i="0" u="none" strike="noStrike" kern="1200" cap="none" spc="0" normalizeH="0" baseline="0" noProof="0">
+              <a:ln>
+                <a:noFill/>
+              </a:ln>
+              <a:solidFill>
+                <a:srgbClr val="FFFFFF"/>
+              </a:solidFill>
+              <a:effectLst/>
+              <a:uLnTx/>
+              <a:uFillTx/>
+              <a:latin typeface="Calibri"/>
+              <a:ea typeface="+mn-ea"/>
+              <a:cs typeface="+mn-cs"/>
+            </a:endParaRPr>
+          </a:p>
+        </p:txBody>
+      </p:sp>
+    </p:spTree>
+    <p:extLst>
+      <p:ext uri="{BB962C8B-B14F-4D97-AF65-F5344CB8AC3E}">
+        <p14:creationId xmlns:p14="http://schemas.microsoft.com/office/powerpoint/2010/main" val="1586883875"/>
+      </p:ext>
+    </p:extLst>
+  </p:cSld>
+  <p:clrMapOvr>
+    <a:masterClrMapping/>
+  </p:clrMapOvr>
+  <p:timing>
+    <p:tnLst>
+      <p:par>
+        <p:cTn id="1" dur="indefinite" restart="never" nodeType="tmRoot">
+          <p:childTnLst>
+            <p:seq concurrent="1" nextAc="seek">
+              <p:cTn id="2" dur="indefinite" nodeType="mainSeq">
+                <p:childTnLst>
+                  <p:par>
+                    <p:cTn id="3" fill="hold">
+                      <p:stCondLst>
+                        <p:cond delay="indefinite"/>
+                        <p:cond evt="onBegin" delay="0">
+                          <p:tn val="2"/>
+                        </p:cond>
+                      </p:stCondLst>
+                      <p:childTnLst>
+                        <p:par>
+                          <p:cTn id="4" fill="hold">
+                            <p:stCondLst>
+                              <p:cond delay="0"/>
+                            </p:stCondLst>
+                            <p:childTnLst>
+                              <p:par>
+                                <p:cTn id="5" presetID="10" presetClass="entr" presetSubtype="0" fill="hold" grpId="0" nodeType="withEffect">
+                                  <p:stCondLst>
+                                    <p:cond delay="500"/>
+                                  </p:stCondLst>
+                                  <p:iterate type="wd">
+                                    <p:tmPct val="15000"/>
+                                  </p:iterate>
+                                  <p:childTnLst>
+                                    <p:set>
+                                      <p:cBhvr>
+                                        <p:cTn id="6" dur="1" fill="hold">
+                                          <p:stCondLst>
+                                            <p:cond delay="0"/>
+                                          </p:stCondLst>
+                                        </p:cTn>
+                                        <p:tgtEl>
+                                          <p:spTgt spid="2"/>
+                                        </p:tgtEl>
+                                        <p:attrNameLst>
+                                          <p:attrName>style.visibility</p:attrName>
+                                        </p:attrNameLst>
+                                      </p:cBhvr>
+                                      <p:to>
+                                        <p:strVal val="visible"/>
+                                      </p:to>
+                                    </p:set>
+                                    <p:animEffect transition="in" filter="fade">
+                                      <p:cBhvr>
+                                        <p:cTn id="7" dur="1000"/>
+                                        <p:tgtEl>
+                                          <p:spTgt spid="2"/>
+                                        </p:tgtEl>
+                                      </p:cBhvr>
+                                    </p:animEffect>
+                                  </p:childTnLst>
+                                </p:cTn>
+                              </p:par>
+                            </p:childTnLst>
+                          </p:cTn>
+                        </p:par>
+                      </p:childTnLst>
+                    </p:cTn>
+                  </p:par>
+                </p:childTnLst>
+              </p:cTn>
+              <p:prevCondLst>
+                <p:cond evt="onPrev" delay="0">
+                  <p:tgtEl>
+                    <p:sldTgt/>
+                  </p:tgtEl>
+                </p:cond>
+              </p:prevCondLst>
+              <p:nextCondLst>
+                <p:cond evt="onNext" delay="0">
+                  <p:tgtEl>
+                    <p:sldTgt/>
+                  </p:tgtEl>
+                </p:cond>
+              </p:nextCondLst>
+            </p:seq>
+          </p:childTnLst>
+        </p:cTn>
+      </p:par>
+    </p:tnLst>
+    <p:bldLst>
+      <p:bldP spid="2" grpId="0"/>
+    </p:bldLst>
+  </p:timing>
+</p:sld>
+</file>
+
+<file path=ppt/slides/slide30.xml><?xml version="1.0" encoding="utf-8"?>
 <p:sld xmlns:a="http://schemas.openxmlformats.org/drawingml/2006/main" xmlns:r="http://schemas.openxmlformats.org/officeDocument/2006/relationships" xmlns:p="http://schemas.openxmlformats.org/presentationml/2006/main">
   <p:cSld>
     <p:spTree>
@@ -16506,7 +17311,7 @@
 </p:sld>
 </file>
 
-<file path=ppt/slides/slide3.xml><?xml version="1.0" encoding="utf-8"?>
+<file path=ppt/slides/slide31.xml><?xml version="1.0" encoding="utf-8"?>
 <p:sld xmlns:a="http://schemas.openxmlformats.org/drawingml/2006/main" xmlns:r="http://schemas.openxmlformats.org/officeDocument/2006/relationships" xmlns:p="http://schemas.openxmlformats.org/presentationml/2006/main">
   <p:cSld>
     <p:spTree>
@@ -16523,185 +17328,8 @@
           <a:chExt cx="0" cy="0"/>
         </a:xfrm>
       </p:grpSpPr>
-      <p:sp>
-        <p:nvSpPr>
-          <p:cNvPr id="2" name="Title 1">
-            <a:extLst>
-              <a:ext uri="{FF2B5EF4-FFF2-40B4-BE49-F238E27FC236}">
-                <a16:creationId xmlns:a16="http://schemas.microsoft.com/office/drawing/2014/main" id="{1B22313E-2D4F-29E8-A3E3-74DD67DD5AFD}"/>
-              </a:ext>
-            </a:extLst>
-          </p:cNvPr>
-          <p:cNvSpPr>
-            <a:spLocks noGrp="1"/>
-          </p:cNvSpPr>
-          <p:nvPr>
-            <p:ph type="title"/>
-          </p:nvPr>
-        </p:nvSpPr>
-        <p:spPr>
-          <a:xfrm>
-            <a:off x="581025" y="701675"/>
-            <a:ext cx="11029950" cy="566016"/>
-          </a:xfrm>
-        </p:spPr>
-        <p:txBody>
-          <a:bodyPr/>
-          <a:lstStyle/>
-          <a:p>
-            <a:r>
-              <a:rPr lang="en-US" dirty="0"/>
-              <a:t>Role of assumptions</a:t>
-            </a:r>
-          </a:p>
-        </p:txBody>
-      </p:sp>
-      <p:sp>
-        <p:nvSpPr>
-          <p:cNvPr id="3" name="Content Placeholder 2">
-            <a:extLst>
-              <a:ext uri="{FF2B5EF4-FFF2-40B4-BE49-F238E27FC236}">
-                <a16:creationId xmlns:a16="http://schemas.microsoft.com/office/drawing/2014/main" id="{7CEE8EEE-BC27-5B60-E8C9-EEDCD7AC3CFE}"/>
-              </a:ext>
-            </a:extLst>
-          </p:cNvPr>
-          <p:cNvSpPr>
-            <a:spLocks noGrp="1"/>
-          </p:cNvSpPr>
-          <p:nvPr>
-            <p:ph idx="1"/>
-          </p:nvPr>
-        </p:nvSpPr>
-        <p:spPr>
-          <a:xfrm>
-            <a:off x="738424" y="1341911"/>
-            <a:ext cx="11029950" cy="3169155"/>
-          </a:xfrm>
-        </p:spPr>
-        <p:txBody>
-          <a:bodyPr>
-            <a:normAutofit/>
-          </a:bodyPr>
-          <a:lstStyle/>
-          <a:p>
-            <a:pPr lvl="0">
-              <a:lnSpc>
-                <a:spcPct val="150000"/>
-              </a:lnSpc>
-            </a:pPr>
-            <a:r>
-              <a:rPr lang="en-US" b="1" dirty="0">
-                <a:sym typeface="Arial"/>
-              </a:rPr>
-              <a:t>Simplify the complexity </a:t>
-            </a:r>
-            <a:r>
-              <a:rPr lang="en-US" dirty="0">
-                <a:sym typeface="Arial"/>
-              </a:rPr>
-              <a:t>by imposing constraints</a:t>
-            </a:r>
-          </a:p>
-          <a:p>
-            <a:pPr lvl="1">
-              <a:lnSpc>
-                <a:spcPct val="150000"/>
-              </a:lnSpc>
-            </a:pPr>
-            <a:r>
-              <a:rPr lang="en-US" dirty="0">
-                <a:sym typeface="Arial"/>
-              </a:rPr>
-              <a:t>E.g. Relationship between dependent and independent variable is linear</a:t>
-            </a:r>
-          </a:p>
-          <a:p>
-            <a:pPr>
-              <a:lnSpc>
-                <a:spcPct val="150000"/>
-              </a:lnSpc>
-            </a:pPr>
-            <a:r>
-              <a:rPr lang="en-US" dirty="0">
-                <a:sym typeface="Arial"/>
-              </a:rPr>
-              <a:t>This simplification accelerates our capabilities to analyze the data</a:t>
-            </a:r>
-          </a:p>
-          <a:p>
-            <a:pPr>
-              <a:lnSpc>
-                <a:spcPct val="150000"/>
-              </a:lnSpc>
-            </a:pPr>
-            <a:r>
-              <a:rPr lang="en-US" dirty="0">
-                <a:sym typeface="Arial"/>
-              </a:rPr>
-              <a:t>Whenever possible, the plausibility of assumptions for real world data needs to be evaluated.</a:t>
-            </a:r>
-          </a:p>
-          <a:p>
-            <a:pPr>
-              <a:lnSpc>
-                <a:spcPct val="150000"/>
-              </a:lnSpc>
-            </a:pPr>
-            <a:r>
-              <a:rPr lang="en-US" altLang="zh-CN" dirty="0"/>
-              <a:t>“Regression Criticism” is about questioning whether the model and its assumptions </a:t>
-            </a:r>
-            <a:r>
-              <a:rPr lang="en-US" altLang="zh-CN" b="1" dirty="0"/>
-              <a:t>truly fit </a:t>
-            </a:r>
-            <a:r>
-              <a:rPr lang="en-US" altLang="zh-CN" b="1" i="1" dirty="0"/>
-              <a:t>all</a:t>
-            </a:r>
-            <a:r>
-              <a:rPr lang="en-US" altLang="zh-CN" b="1" dirty="0"/>
-              <a:t> the data</a:t>
-            </a:r>
-            <a:r>
-              <a:rPr lang="en-US" altLang="zh-CN" dirty="0"/>
-              <a:t>.</a:t>
-            </a:r>
-          </a:p>
-        </p:txBody>
-      </p:sp>
-    </p:spTree>
-    <p:extLst>
-      <p:ext uri="{BB962C8B-B14F-4D97-AF65-F5344CB8AC3E}">
-        <p14:creationId xmlns:p14="http://schemas.microsoft.com/office/powerpoint/2010/main" val="2395572683"/>
-      </p:ext>
-    </p:extLst>
-  </p:cSld>
-  <p:clrMapOvr>
-    <a:masterClrMapping/>
-  </p:clrMapOvr>
-</p:sld>
-</file>
-
-<file path=ppt/slides/slide30.xml><?xml version="1.0" encoding="utf-8"?>
-<p:sld xmlns:a="http://schemas.openxmlformats.org/drawingml/2006/main" xmlns:r="http://schemas.openxmlformats.org/officeDocument/2006/relationships" xmlns:p="http://schemas.openxmlformats.org/presentationml/2006/main">
-  <p:cSld>
-    <p:spTree>
-      <p:nvGrpSpPr>
-        <p:cNvPr id="1" name=""/>
-        <p:cNvGrpSpPr/>
-        <p:nvPr/>
-      </p:nvGrpSpPr>
-      <p:grpSpPr>
-        <a:xfrm>
-          <a:off x="0" y="0"/>
-          <a:ext cx="0" cy="0"/>
-          <a:chOff x="0" y="0"/>
-          <a:chExt cx="0" cy="0"/>
-        </a:xfrm>
-      </p:grpSpPr>
-      <mc:AlternateContent xmlns:mc="http://schemas.openxmlformats.org/markup-compatibility/2006">
-        <mc:Choice xmlns:a14="http://schemas.microsoft.com/office/drawing/2010/main" Requires="a14">
+      <mc:AlternateContent xmlns:mc="http://schemas.openxmlformats.org/markup-compatibility/2006" xmlns:a14="http://schemas.microsoft.com/office/drawing/2010/main">
+        <mc:Choice Requires="a14">
           <p:sp>
             <p:nvSpPr>
               <p:cNvPr id="2" name="Title 1">
@@ -16785,7 +17413,7 @@
             </p:txBody>
           </p:sp>
         </mc:Choice>
-        <mc:Fallback>
+        <mc:Fallback xmlns="">
           <p:sp>
             <p:nvSpPr>
               <p:cNvPr id="2" name="Title 1">
@@ -16829,8 +17457,8 @@
           </p:sp>
         </mc:Fallback>
       </mc:AlternateContent>
-      <mc:AlternateContent xmlns:mc="http://schemas.openxmlformats.org/markup-compatibility/2006">
-        <mc:Choice xmlns:a14="http://schemas.microsoft.com/office/drawing/2010/main" Requires="a14">
+      <mc:AlternateContent xmlns:mc="http://schemas.openxmlformats.org/markup-compatibility/2006" xmlns:a14="http://schemas.microsoft.com/office/drawing/2010/main">
+        <mc:Choice Requires="a14">
           <p:sp>
             <p:nvSpPr>
               <p:cNvPr id="3" name="Content Placeholder 2">
@@ -16951,7 +17579,7 @@
             </p:txBody>
           </p:sp>
         </mc:Choice>
-        <mc:Fallback>
+        <mc:Fallback xmlns="">
           <p:sp>
             <p:nvSpPr>
               <p:cNvPr id="3" name="Content Placeholder 2">
@@ -17068,7 +17696,7 @@
 </p:sld>
 </file>
 
-<file path=ppt/slides/slide31.xml><?xml version="1.0" encoding="utf-8"?>
+<file path=ppt/slides/slide32.xml><?xml version="1.0" encoding="utf-8"?>
 <p:sld xmlns:a="http://schemas.openxmlformats.org/drawingml/2006/main" xmlns:r="http://schemas.openxmlformats.org/officeDocument/2006/relationships" xmlns:p="http://schemas.openxmlformats.org/presentationml/2006/main">
   <p:cSld>
     <p:spTree>
@@ -17515,7 +18143,7 @@
           <p:cNvPr id="2" name="Title 1">
             <a:extLst>
               <a:ext uri="{FF2B5EF4-FFF2-40B4-BE49-F238E27FC236}">
-                <a16:creationId xmlns:a16="http://schemas.microsoft.com/office/drawing/2014/main" id="{2F94A3C2-9735-0AD9-DE6C-45EE73281DC5}"/>
+                <a16:creationId xmlns:a16="http://schemas.microsoft.com/office/drawing/2014/main" id="{1B22313E-2D4F-29E8-A3E3-74DD67DD5AFD}"/>
               </a:ext>
             </a:extLst>
           </p:cNvPr>
@@ -17528,8 +18156,8 @@
         </p:nvSpPr>
         <p:spPr>
           <a:xfrm>
-            <a:off x="581192" y="702156"/>
-            <a:ext cx="11029615" cy="672687"/>
+            <a:off x="581025" y="701675"/>
+            <a:ext cx="11029950" cy="566016"/>
           </a:xfrm>
         </p:spPr>
         <p:txBody>
@@ -17538,17 +18166,17 @@
           <a:p>
             <a:r>
               <a:rPr lang="en-US" dirty="0"/>
-              <a:t>Why Checking Assumptions Matters</a:t>
+              <a:t>Role of assumptions</a:t>
             </a:r>
           </a:p>
         </p:txBody>
       </p:sp>
       <p:sp>
         <p:nvSpPr>
-          <p:cNvPr id="4" name="Content Placeholder 2">
+          <p:cNvPr id="3" name="Content Placeholder 2">
             <a:extLst>
               <a:ext uri="{FF2B5EF4-FFF2-40B4-BE49-F238E27FC236}">
-                <a16:creationId xmlns:a16="http://schemas.microsoft.com/office/drawing/2014/main" id="{2F1F7AC7-62F7-6ECA-99BB-72E57160ECD4}"/>
+                <a16:creationId xmlns:a16="http://schemas.microsoft.com/office/drawing/2014/main" id="{7CEE8EEE-BC27-5B60-E8C9-EEDCD7AC3CFE}"/>
               </a:ext>
             </a:extLst>
           </p:cNvPr>
@@ -17561,8 +18189,8 @@
         </p:nvSpPr>
         <p:spPr>
           <a:xfrm>
-            <a:off x="309821" y="1473898"/>
-            <a:ext cx="11362533" cy="3492010"/>
+            <a:off x="738424" y="1341911"/>
+            <a:ext cx="11029950" cy="3169155"/>
           </a:xfrm>
         </p:spPr>
         <p:txBody>
@@ -17571,92 +18199,87 @@
           </a:bodyPr>
           <a:lstStyle/>
           <a:p>
+            <a:pPr lvl="0">
+              <a:lnSpc>
+                <a:spcPct val="150000"/>
+              </a:lnSpc>
+            </a:pPr>
+            <a:r>
+              <a:rPr lang="en-US" b="1" dirty="0">
+                <a:sym typeface="Arial"/>
+              </a:rPr>
+              <a:t>Simplify the complexity </a:t>
+            </a:r>
+            <a:r>
+              <a:rPr lang="en-US" dirty="0">
+                <a:sym typeface="Arial"/>
+              </a:rPr>
+              <a:t>by imposing constraints</a:t>
+            </a:r>
+          </a:p>
+          <a:p>
             <a:pPr lvl="1">
               <a:lnSpc>
                 <a:spcPct val="150000"/>
               </a:lnSpc>
             </a:pPr>
             <a:r>
-              <a:rPr lang="en-US" sz="2000" dirty="0"/>
-              <a:t>Even if a regression model </a:t>
-            </a:r>
-            <a:r>
-              <a:rPr lang="en-US" sz="2000" b="1" dirty="0"/>
-              <a:t>fits the sample data well</a:t>
-            </a:r>
-            <a:r>
-              <a:rPr lang="en-US" sz="2000" dirty="0"/>
-              <a:t>, we must ensure that it holds for the broader population.</a:t>
-            </a:r>
-          </a:p>
-          <a:p>
-            <a:pPr lvl="1">
+              <a:rPr lang="en-US" dirty="0">
+                <a:sym typeface="Arial"/>
+              </a:rPr>
+              <a:t>E.g. Relationship between dependent and independent variable is linear</a:t>
+            </a:r>
+          </a:p>
+          <a:p>
+            <a:pPr>
               <a:lnSpc>
                 <a:spcPct val="150000"/>
               </a:lnSpc>
             </a:pPr>
             <a:r>
-              <a:rPr lang="en-US" sz="2000" dirty="0">
+              <a:rPr lang="en-US" dirty="0">
                 <a:sym typeface="Arial"/>
               </a:rPr>
-              <a:t>We need to </a:t>
-            </a:r>
-            <a:r>
-              <a:rPr lang="en-US" sz="2000" dirty="0"/>
-              <a:t>evaluate whether our OLS (Ordinary Least Squares) results are trustworthy and </a:t>
-            </a:r>
-            <a:r>
-              <a:rPr lang="en-US" sz="2000" b="1" dirty="0"/>
-              <a:t>generalizable</a:t>
-            </a:r>
-            <a:r>
-              <a:rPr lang="en-US" sz="2000" dirty="0"/>
-              <a:t>.</a:t>
-            </a:r>
-            <a:endParaRPr lang="en-US" sz="2000" dirty="0">
-              <a:sym typeface="Arial"/>
-            </a:endParaRPr>
-          </a:p>
-          <a:p>
-            <a:pPr lvl="1">
+              <a:t>This simplification accelerates our capabilities to analyze the data</a:t>
+            </a:r>
+          </a:p>
+          <a:p>
+            <a:pPr>
               <a:lnSpc>
                 <a:spcPct val="150000"/>
               </a:lnSpc>
             </a:pPr>
             <a:r>
-              <a:rPr lang="en-US" sz="2000" b="1" dirty="0">
+              <a:rPr lang="en-US" dirty="0">
                 <a:sym typeface="Arial"/>
               </a:rPr>
-              <a:t>Reasoning: </a:t>
-            </a:r>
-            <a:r>
-              <a:rPr lang="en-US" sz="2000" dirty="0">
-                <a:sym typeface="Arial"/>
-              </a:rPr>
-              <a:t>If assumptions are violated, estimates might be </a:t>
-            </a:r>
-            <a:r>
-              <a:rPr lang="en-US" sz="2000" b="1" dirty="0">
-                <a:sym typeface="Arial"/>
-              </a:rPr>
-              <a:t>biased</a:t>
-            </a:r>
-            <a:r>
-              <a:rPr lang="en-US" sz="2000" dirty="0">
-                <a:sym typeface="Arial"/>
-              </a:rPr>
-              <a:t> or </a:t>
-            </a:r>
-            <a:r>
-              <a:rPr lang="en-US" sz="2000" b="1" dirty="0">
-                <a:sym typeface="Arial"/>
-              </a:rPr>
-              <a:t>inefficient</a:t>
-            </a:r>
-            <a:r>
-              <a:rPr lang="en-US" sz="2000" dirty="0">
-                <a:sym typeface="Arial"/>
-              </a:rPr>
+              <a:t>Whenever possible, the plausibility of assumptions for real world data needs to be evaluated.</a:t>
+            </a:r>
+          </a:p>
+          <a:p>
+            <a:pPr>
+              <a:lnSpc>
+                <a:spcPct val="150000"/>
+              </a:lnSpc>
+            </a:pPr>
+            <a:r>
+              <a:rPr lang="en-US" altLang="zh-CN" dirty="0"/>
+              <a:t>“Regression Criticism” is about questioning whether the model and its assumptions </a:t>
+            </a:r>
+            <a:r>
+              <a:rPr lang="en-US" altLang="zh-CN" b="1" dirty="0"/>
+              <a:t>truly fit </a:t>
+            </a:r>
+            <a:r>
+              <a:rPr lang="en-US" altLang="zh-CN" b="1" i="1" dirty="0"/>
+              <a:t>all</a:t>
+            </a:r>
+            <a:r>
+              <a:rPr lang="en-US" altLang="zh-CN" b="1" dirty="0"/>
+              <a:t> the data</a:t>
+            </a:r>
+            <a:r>
+              <a:rPr lang="en-US" altLang="zh-CN" dirty="0"/>
               <a:t>.</a:t>
             </a:r>
           </a:p>
@@ -17665,7 +18288,7 @@
     </p:spTree>
     <p:extLst>
       <p:ext uri="{BB962C8B-B14F-4D97-AF65-F5344CB8AC3E}">
-        <p14:creationId xmlns:p14="http://schemas.microsoft.com/office/powerpoint/2010/main" val="724880671"/>
+        <p14:creationId xmlns:p14="http://schemas.microsoft.com/office/powerpoint/2010/main" val="2395572683"/>
       </p:ext>
     </p:extLst>
   </p:cSld>
@@ -17694,6 +18317,188 @@
       </p:grpSpPr>
       <p:sp>
         <p:nvSpPr>
+          <p:cNvPr id="2" name="Title 1">
+            <a:extLst>
+              <a:ext uri="{FF2B5EF4-FFF2-40B4-BE49-F238E27FC236}">
+                <a16:creationId xmlns:a16="http://schemas.microsoft.com/office/drawing/2014/main" id="{2F94A3C2-9735-0AD9-DE6C-45EE73281DC5}"/>
+              </a:ext>
+            </a:extLst>
+          </p:cNvPr>
+          <p:cNvSpPr>
+            <a:spLocks noGrp="1"/>
+          </p:cNvSpPr>
+          <p:nvPr>
+            <p:ph type="title"/>
+          </p:nvPr>
+        </p:nvSpPr>
+        <p:spPr>
+          <a:xfrm>
+            <a:off x="581192" y="702156"/>
+            <a:ext cx="11029615" cy="672687"/>
+          </a:xfrm>
+        </p:spPr>
+        <p:txBody>
+          <a:bodyPr/>
+          <a:lstStyle/>
+          <a:p>
+            <a:r>
+              <a:rPr lang="en-US" dirty="0"/>
+              <a:t>Why Checking Assumptions Matters</a:t>
+            </a:r>
+          </a:p>
+        </p:txBody>
+      </p:sp>
+      <p:sp>
+        <p:nvSpPr>
+          <p:cNvPr id="4" name="Content Placeholder 2">
+            <a:extLst>
+              <a:ext uri="{FF2B5EF4-FFF2-40B4-BE49-F238E27FC236}">
+                <a16:creationId xmlns:a16="http://schemas.microsoft.com/office/drawing/2014/main" id="{2F1F7AC7-62F7-6ECA-99BB-72E57160ECD4}"/>
+              </a:ext>
+            </a:extLst>
+          </p:cNvPr>
+          <p:cNvSpPr>
+            <a:spLocks noGrp="1"/>
+          </p:cNvSpPr>
+          <p:nvPr>
+            <p:ph idx="1"/>
+          </p:nvPr>
+        </p:nvSpPr>
+        <p:spPr>
+          <a:xfrm>
+            <a:off x="309821" y="1473898"/>
+            <a:ext cx="11362533" cy="3492010"/>
+          </a:xfrm>
+        </p:spPr>
+        <p:txBody>
+          <a:bodyPr>
+            <a:normAutofit/>
+          </a:bodyPr>
+          <a:lstStyle/>
+          <a:p>
+            <a:pPr lvl="1">
+              <a:lnSpc>
+                <a:spcPct val="150000"/>
+              </a:lnSpc>
+            </a:pPr>
+            <a:r>
+              <a:rPr lang="en-US" sz="2000" dirty="0"/>
+              <a:t>Even if a regression model </a:t>
+            </a:r>
+            <a:r>
+              <a:rPr lang="en-US" sz="2000" b="1" dirty="0"/>
+              <a:t>fits the sample data well</a:t>
+            </a:r>
+            <a:r>
+              <a:rPr lang="en-US" sz="2000" dirty="0"/>
+              <a:t>, we must ensure that it holds for the broader population.</a:t>
+            </a:r>
+          </a:p>
+          <a:p>
+            <a:pPr lvl="1">
+              <a:lnSpc>
+                <a:spcPct val="150000"/>
+              </a:lnSpc>
+            </a:pPr>
+            <a:r>
+              <a:rPr lang="en-US" sz="2000" dirty="0">
+                <a:sym typeface="Arial"/>
+              </a:rPr>
+              <a:t>We need to </a:t>
+            </a:r>
+            <a:r>
+              <a:rPr lang="en-US" sz="2000" dirty="0"/>
+              <a:t>evaluate whether our OLS (Ordinary Least Squares) results are trustworthy and </a:t>
+            </a:r>
+            <a:r>
+              <a:rPr lang="en-US" sz="2000" b="1" dirty="0"/>
+              <a:t>generalizable</a:t>
+            </a:r>
+            <a:r>
+              <a:rPr lang="en-US" sz="2000" dirty="0"/>
+              <a:t>.</a:t>
+            </a:r>
+            <a:endParaRPr lang="en-US" sz="2000" dirty="0">
+              <a:sym typeface="Arial"/>
+            </a:endParaRPr>
+          </a:p>
+          <a:p>
+            <a:pPr lvl="1">
+              <a:lnSpc>
+                <a:spcPct val="150000"/>
+              </a:lnSpc>
+            </a:pPr>
+            <a:r>
+              <a:rPr lang="en-US" sz="2000" b="1" dirty="0">
+                <a:sym typeface="Arial"/>
+              </a:rPr>
+              <a:t>Reasoning: </a:t>
+            </a:r>
+            <a:r>
+              <a:rPr lang="en-US" sz="2000" dirty="0">
+                <a:sym typeface="Arial"/>
+              </a:rPr>
+              <a:t>If assumptions are violated, estimates might be </a:t>
+            </a:r>
+            <a:r>
+              <a:rPr lang="en-US" sz="2000" b="1" dirty="0">
+                <a:sym typeface="Arial"/>
+              </a:rPr>
+              <a:t>biased</a:t>
+            </a:r>
+            <a:r>
+              <a:rPr lang="en-US" sz="2000" dirty="0">
+                <a:sym typeface="Arial"/>
+              </a:rPr>
+              <a:t> or </a:t>
+            </a:r>
+            <a:r>
+              <a:rPr lang="en-US" sz="2000" b="1" dirty="0">
+                <a:sym typeface="Arial"/>
+              </a:rPr>
+              <a:t>inefficient</a:t>
+            </a:r>
+            <a:r>
+              <a:rPr lang="en-US" sz="2000" dirty="0">
+                <a:sym typeface="Arial"/>
+              </a:rPr>
+              <a:t>.</a:t>
+            </a:r>
+          </a:p>
+        </p:txBody>
+      </p:sp>
+    </p:spTree>
+    <p:extLst>
+      <p:ext uri="{BB962C8B-B14F-4D97-AF65-F5344CB8AC3E}">
+        <p14:creationId xmlns:p14="http://schemas.microsoft.com/office/powerpoint/2010/main" val="724880671"/>
+      </p:ext>
+    </p:extLst>
+  </p:cSld>
+  <p:clrMapOvr>
+    <a:masterClrMapping/>
+  </p:clrMapOvr>
+</p:sld>
+</file>
+
+<file path=ppt/slides/slide6.xml><?xml version="1.0" encoding="utf-8"?>
+<p:sld xmlns:a="http://schemas.openxmlformats.org/drawingml/2006/main" xmlns:r="http://schemas.openxmlformats.org/officeDocument/2006/relationships" xmlns:p="http://schemas.openxmlformats.org/presentationml/2006/main">
+  <p:cSld>
+    <p:spTree>
+      <p:nvGrpSpPr>
+        <p:cNvPr id="1" name=""/>
+        <p:cNvGrpSpPr/>
+        <p:nvPr/>
+      </p:nvGrpSpPr>
+      <p:grpSpPr>
+        <a:xfrm>
+          <a:off x="0" y="0"/>
+          <a:ext cx="0" cy="0"/>
+          <a:chOff x="0" y="0"/>
+          <a:chExt cx="0" cy="0"/>
+        </a:xfrm>
+      </p:grpSpPr>
+      <p:sp>
+        <p:nvSpPr>
           <p:cNvPr id="9" name="Title 8">
             <a:extLst>
               <a:ext uri="{FF2B5EF4-FFF2-40B4-BE49-F238E27FC236}">
@@ -17725,8 +18530,8 @@
           </a:p>
         </p:txBody>
       </p:sp>
-      <mc:AlternateContent xmlns:mc="http://schemas.openxmlformats.org/markup-compatibility/2006">
-        <mc:Choice xmlns:a14="http://schemas.microsoft.com/office/drawing/2010/main" Requires="a14">
+      <mc:AlternateContent xmlns:mc="http://schemas.openxmlformats.org/markup-compatibility/2006" xmlns:a14="http://schemas.microsoft.com/office/drawing/2010/main">
+        <mc:Choice Requires="a14">
           <p:sp>
             <p:nvSpPr>
               <p:cNvPr id="3" name="Content Placeholder 2">
@@ -18131,7 +18936,7 @@
             </p:txBody>
           </p:sp>
         </mc:Choice>
-        <mc:Fallback>
+        <mc:Fallback xmlns="">
           <p:sp>
             <p:nvSpPr>
               <p:cNvPr id="3" name="Content Placeholder 2">
@@ -18242,7 +19047,7 @@
 </p:sld>
 </file>
 
-<file path=ppt/slides/slide6.xml><?xml version="1.0" encoding="utf-8"?>
+<file path=ppt/slides/slide7.xml><?xml version="1.0" encoding="utf-8"?>
 <p:sld xmlns:a="http://schemas.openxmlformats.org/drawingml/2006/main" xmlns:r="http://schemas.openxmlformats.org/officeDocument/2006/relationships" xmlns:p="http://schemas.openxmlformats.org/presentationml/2006/main">
   <p:cSld>
     <p:spTree>
@@ -18293,8 +19098,8 @@
           </a:p>
         </p:txBody>
       </p:sp>
-      <mc:AlternateContent xmlns:mc="http://schemas.openxmlformats.org/markup-compatibility/2006">
-        <mc:Choice xmlns:a14="http://schemas.microsoft.com/office/drawing/2010/main" Requires="a14">
+      <mc:AlternateContent xmlns:mc="http://schemas.openxmlformats.org/markup-compatibility/2006" xmlns:a14="http://schemas.microsoft.com/office/drawing/2010/main">
+        <mc:Choice Requires="a14">
           <p:sp>
             <p:nvSpPr>
               <p:cNvPr id="3" name="TextBox 2">
@@ -18448,7 +19253,7 @@
             </p:txBody>
           </p:sp>
         </mc:Choice>
-        <mc:Fallback>
+        <mc:Fallback xmlns="">
           <p:sp>
             <p:nvSpPr>
               <p:cNvPr id="3" name="TextBox 2">
@@ -18576,7 +19381,7 @@
 </p:sld>
 </file>
 
-<file path=ppt/slides/slide7.xml><?xml version="1.0" encoding="utf-8"?>
+<file path=ppt/slides/slide8.xml><?xml version="1.0" encoding="utf-8"?>
 <p:sld xmlns:a="http://schemas.openxmlformats.org/drawingml/2006/main" xmlns:r="http://schemas.openxmlformats.org/officeDocument/2006/relationships" xmlns:p="http://schemas.openxmlformats.org/presentationml/2006/main">
   <p:cSld>
     <p:spTree>
@@ -18627,8 +19432,8 @@
           </a:p>
         </p:txBody>
       </p:sp>
-      <mc:AlternateContent xmlns:mc="http://schemas.openxmlformats.org/markup-compatibility/2006">
-        <mc:Choice xmlns:a14="http://schemas.microsoft.com/office/drawing/2010/main" Requires="a14">
+      <mc:AlternateContent xmlns:mc="http://schemas.openxmlformats.org/markup-compatibility/2006" xmlns:a14="http://schemas.microsoft.com/office/drawing/2010/main">
+        <mc:Choice Requires="a14">
           <p:sp>
             <p:nvSpPr>
               <p:cNvPr id="8" name="TextBox 7">
@@ -18713,7 +19518,7 @@
             </p:txBody>
           </p:sp>
         </mc:Choice>
-        <mc:Fallback>
+        <mc:Fallback xmlns="">
           <p:sp>
             <p:nvSpPr>
               <p:cNvPr id="8" name="TextBox 7">
@@ -18808,7 +19613,7 @@
 </p:sld>
 </file>
 
-<file path=ppt/slides/slide8.xml><?xml version="1.0" encoding="utf-8"?>
+<file path=ppt/slides/slide9.xml><?xml version="1.0" encoding="utf-8"?>
 <p:sld xmlns:a="http://schemas.openxmlformats.org/drawingml/2006/main" xmlns:r="http://schemas.openxmlformats.org/officeDocument/2006/relationships" xmlns:p="http://schemas.openxmlformats.org/presentationml/2006/main">
   <p:cSld>
     <p:spTree>
@@ -19313,739 +20118,6 @@
       </p:par>
     </p:tnLst>
   </p:timing>
-</p:sld>
-</file>
-
-<file path=ppt/slides/slide9.xml><?xml version="1.0" encoding="utf-8"?>
-<p:sld xmlns:a="http://schemas.openxmlformats.org/drawingml/2006/main" xmlns:r="http://schemas.openxmlformats.org/officeDocument/2006/relationships" xmlns:p="http://schemas.openxmlformats.org/presentationml/2006/main">
-  <p:cSld>
-    <p:spTree>
-      <p:nvGrpSpPr>
-        <p:cNvPr id="1" name=""/>
-        <p:cNvGrpSpPr/>
-        <p:nvPr/>
-      </p:nvGrpSpPr>
-      <p:grpSpPr>
-        <a:xfrm>
-          <a:off x="0" y="0"/>
-          <a:ext cx="0" cy="0"/>
-          <a:chOff x="0" y="0"/>
-          <a:chExt cx="0" cy="0"/>
-        </a:xfrm>
-      </p:grpSpPr>
-      <p:pic>
-        <p:nvPicPr>
-          <p:cNvPr id="9" name="Picture 8">
-            <a:extLst>
-              <a:ext uri="{FF2B5EF4-FFF2-40B4-BE49-F238E27FC236}">
-                <a16:creationId xmlns:a16="http://schemas.microsoft.com/office/drawing/2014/main" id="{EBAC1E63-27B9-3DA1-480A-BB38BF0FE05D}"/>
-              </a:ext>
-            </a:extLst>
-          </p:cNvPr>
-          <p:cNvPicPr>
-            <a:picLocks noChangeAspect="1"/>
-          </p:cNvPicPr>
-          <p:nvPr/>
-        </p:nvPicPr>
-        <p:blipFill>
-          <a:blip r:embed="rId2"/>
-          <a:srcRect b="5732"/>
-          <a:stretch/>
-        </p:blipFill>
-        <p:spPr>
-          <a:xfrm>
-            <a:off x="5994100" y="1359089"/>
-            <a:ext cx="6081099" cy="4305054"/>
-          </a:xfrm>
-          <a:prstGeom prst="rect">
-            <a:avLst/>
-          </a:prstGeom>
-        </p:spPr>
-      </p:pic>
-      <p:sp>
-        <p:nvSpPr>
-          <p:cNvPr id="4" name="Title 1">
-            <a:extLst>
-              <a:ext uri="{FF2B5EF4-FFF2-40B4-BE49-F238E27FC236}">
-                <a16:creationId xmlns:a16="http://schemas.microsoft.com/office/drawing/2014/main" id="{D787F118-7CDF-90F2-C770-85E59D1B7022}"/>
-              </a:ext>
-            </a:extLst>
-          </p:cNvPr>
-          <p:cNvSpPr txBox="1">
-            <a:spLocks/>
-          </p:cNvSpPr>
-          <p:nvPr/>
-        </p:nvSpPr>
-        <p:spPr>
-          <a:xfrm>
-            <a:off x="581192" y="702156"/>
-            <a:ext cx="11029616" cy="551680"/>
-          </a:xfrm>
-          <a:prstGeom prst="rect">
-            <a:avLst/>
-          </a:prstGeom>
-        </p:spPr>
-        <p:txBody>
-          <a:bodyPr vert="horz" lIns="91440" tIns="45720" rIns="91440" bIns="45720" rtlCol="0" anchor="b">
-            <a:normAutofit fontScale="77500" lnSpcReduction="20000"/>
-          </a:bodyPr>
-          <a:lstStyle>
-            <a:lvl1pPr algn="l" defTabSz="457200" rtl="0" eaLnBrk="1" latinLnBrk="0" hangingPunct="1">
-              <a:lnSpc>
-                <a:spcPct val="100000"/>
-              </a:lnSpc>
-              <a:spcBef>
-                <a:spcPct val="0"/>
-              </a:spcBef>
-              <a:buNone/>
-              <a:defRPr sz="2800" b="0" kern="1200" cap="all">
-                <a:solidFill>
-                  <a:schemeClr val="tx1">
-                    <a:lumMod val="75000"/>
-                    <a:lumOff val="25000"/>
-                  </a:schemeClr>
-                </a:solidFill>
-                <a:latin typeface="+mj-lt"/>
-                <a:ea typeface="+mj-ea"/>
-                <a:cs typeface="+mj-cs"/>
-              </a:defRPr>
-            </a:lvl1pPr>
-            <a:lvl2pPr eaLnBrk="1" hangingPunct="1">
-              <a:defRPr>
-                <a:solidFill>
-                  <a:schemeClr val="tx2"/>
-                </a:solidFill>
-              </a:defRPr>
-            </a:lvl2pPr>
-            <a:lvl3pPr eaLnBrk="1" hangingPunct="1">
-              <a:defRPr>
-                <a:solidFill>
-                  <a:schemeClr val="tx2"/>
-                </a:solidFill>
-              </a:defRPr>
-            </a:lvl3pPr>
-            <a:lvl4pPr eaLnBrk="1" hangingPunct="1">
-              <a:defRPr>
-                <a:solidFill>
-                  <a:schemeClr val="tx2"/>
-                </a:solidFill>
-              </a:defRPr>
-            </a:lvl4pPr>
-            <a:lvl5pPr eaLnBrk="1" hangingPunct="1">
-              <a:defRPr>
-                <a:solidFill>
-                  <a:schemeClr val="tx2"/>
-                </a:solidFill>
-              </a:defRPr>
-            </a:lvl5pPr>
-            <a:lvl6pPr eaLnBrk="1" hangingPunct="1">
-              <a:defRPr>
-                <a:solidFill>
-                  <a:schemeClr val="tx2"/>
-                </a:solidFill>
-              </a:defRPr>
-            </a:lvl6pPr>
-            <a:lvl7pPr eaLnBrk="1" hangingPunct="1">
-              <a:defRPr>
-                <a:solidFill>
-                  <a:schemeClr val="tx2"/>
-                </a:solidFill>
-              </a:defRPr>
-            </a:lvl7pPr>
-            <a:lvl8pPr eaLnBrk="1" hangingPunct="1">
-              <a:defRPr>
-                <a:solidFill>
-                  <a:schemeClr val="tx2"/>
-                </a:solidFill>
-              </a:defRPr>
-            </a:lvl8pPr>
-            <a:lvl9pPr eaLnBrk="1" hangingPunct="1">
-              <a:defRPr>
-                <a:solidFill>
-                  <a:schemeClr val="tx2"/>
-                </a:solidFill>
-              </a:defRPr>
-            </a:lvl9pPr>
-          </a:lstStyle>
-          <a:p>
-            <a:pPr>
-              <a:lnSpc>
-                <a:spcPct val="150000"/>
-              </a:lnSpc>
-            </a:pPr>
-            <a:r>
-              <a:rPr lang="en-US" altLang="zh-CN" dirty="0" smtClean="0"/>
-              <a:t>ASSUMPTION: Homoscedasticity</a:t>
-            </a:r>
-            <a:endParaRPr lang="en-US" altLang="zh-CN" dirty="0"/>
-          </a:p>
-        </p:txBody>
-      </p:sp>
-      <mc:AlternateContent xmlns:mc="http://schemas.openxmlformats.org/markup-compatibility/2006">
-        <mc:Choice xmlns:a14="http://schemas.microsoft.com/office/drawing/2010/main" Requires="a14">
-          <p:sp>
-            <p:nvSpPr>
-              <p:cNvPr id="5" name="TextBox 4">
-                <a:extLst>
-                  <a:ext uri="{FF2B5EF4-FFF2-40B4-BE49-F238E27FC236}">
-                    <a16:creationId xmlns:a16="http://schemas.microsoft.com/office/drawing/2014/main" id="{2907EF87-BCF5-6550-6E80-B25243304602}"/>
-                  </a:ext>
-                </a:extLst>
-              </p:cNvPr>
-              <p:cNvSpPr txBox="1"/>
-              <p:nvPr/>
-            </p:nvSpPr>
-            <p:spPr>
-              <a:xfrm>
-                <a:off x="242701" y="3915540"/>
-                <a:ext cx="6081099" cy="2354491"/>
-              </a:xfrm>
-              <a:prstGeom prst="rect">
-                <a:avLst/>
-              </a:prstGeom>
-              <a:noFill/>
-            </p:spPr>
-            <p:txBody>
-              <a:bodyPr wrap="square">
-                <a:spAutoFit/>
-              </a:bodyPr>
-              <a:lstStyle/>
-              <a:p>
-                <a:pPr marL="306000" indent="-306000">
-                  <a:spcBef>
-                    <a:spcPct val="20000"/>
-                  </a:spcBef>
-                  <a:spcAft>
-                    <a:spcPts val="600"/>
-                  </a:spcAft>
-                  <a:buClr>
-                    <a:schemeClr val="accent1"/>
-                  </a:buClr>
-                  <a:buSzPct val="92000"/>
-                  <a:buFont typeface="Wingdings 2" panose="05020102010507070707" pitchFamily="18" charset="2"/>
-                  <a:buChar char=""/>
-                </a:pPr>
-                <a:r>
-                  <a:rPr lang="en-US" sz="2000" b="1" i="0" u="none" strike="noStrike" baseline="0" dirty="0">
-                    <a:solidFill>
-                      <a:srgbClr val="365F91"/>
-                    </a:solidFill>
-                    <a:latin typeface="+mn-ea"/>
-                  </a:rPr>
-                  <a:t>Residuals versus Predicted Y Plots </a:t>
-                </a:r>
-              </a:p>
-              <a:p>
-                <a:pPr marL="306000" indent="-306000">
-                  <a:spcBef>
-                    <a:spcPct val="20000"/>
-                  </a:spcBef>
-                  <a:spcAft>
-                    <a:spcPts val="600"/>
-                  </a:spcAft>
-                  <a:buClr>
-                    <a:schemeClr val="accent1"/>
-                  </a:buClr>
-                  <a:buSzPct val="92000"/>
-                  <a:buFont typeface="Wingdings 2" panose="05020102010507070707" pitchFamily="18" charset="2"/>
-                  <a:buChar char=""/>
-                </a:pPr>
-                <a:r>
-                  <a:rPr lang="en-US" altLang="zh-CN" sz="2000" dirty="0">
-                    <a:latin typeface="+mn-ea"/>
-                  </a:rPr>
-                  <a:t>If data do </a:t>
-                </a:r>
-                <a:r>
-                  <a:rPr lang="en-US" altLang="zh-CN" sz="2000" dirty="0" smtClean="0">
-                    <a:latin typeface="+mn-ea"/>
-                  </a:rPr>
-                  <a:t>violate </a:t>
-                </a:r>
-                <a:r>
-                  <a:rPr lang="en-US" altLang="zh-CN" sz="2000" dirty="0">
-                    <a:latin typeface="+mn-ea"/>
-                  </a:rPr>
-                  <a:t>assumptions :</a:t>
-                </a:r>
-                <a:endParaRPr lang="en-US" sz="2000" b="1" i="0" u="none" strike="noStrike" baseline="0" dirty="0">
-                  <a:solidFill>
-                    <a:srgbClr val="365F91"/>
-                  </a:solidFill>
-                  <a:latin typeface="+mn-ea"/>
-                </a:endParaRPr>
-              </a:p>
-              <a:p>
-                <a:pPr marL="763200" lvl="1" indent="-306000">
-                  <a:spcBef>
-                    <a:spcPct val="20000"/>
-                  </a:spcBef>
-                  <a:spcAft>
-                    <a:spcPts val="600"/>
-                  </a:spcAft>
-                  <a:buClr>
-                    <a:schemeClr val="accent1"/>
-                  </a:buClr>
-                  <a:buSzPct val="92000"/>
-                  <a:buFont typeface="Wingdings 2" panose="05020102010507070707" pitchFamily="18" charset="2"/>
-                  <a:buChar char=""/>
-                </a:pPr>
-                <a:r>
-                  <a:rPr lang="en-US" sz="2000" dirty="0">
-                    <a:solidFill>
-                      <a:schemeClr val="tx1">
-                        <a:lumMod val="75000"/>
-                        <a:lumOff val="25000"/>
-                      </a:schemeClr>
-                    </a:solidFill>
-                    <a:sym typeface="Rambla"/>
-                  </a:rPr>
-                  <a:t>The variance of the error term (</a:t>
-                </a:r>
-                <a14:m>
-                  <m:oMath xmlns:m="http://schemas.openxmlformats.org/officeDocument/2006/math">
-                    <m:sSub>
-                      <m:sSubPr>
-                        <m:ctrlPr>
-                          <a:rPr lang="en-US" sz="2000" i="1">
-                            <a:solidFill>
-                              <a:schemeClr val="tx1">
-                                <a:lumMod val="75000"/>
-                                <a:lumOff val="25000"/>
-                              </a:schemeClr>
-                            </a:solidFill>
-                            <a:latin typeface="Cambria Math" panose="02040503050406030204" pitchFamily="18" charset="0"/>
-                            <a:ea typeface="Cambria Math" panose="02040503050406030204" pitchFamily="18" charset="0"/>
-                            <a:sym typeface="Rambla"/>
-                          </a:rPr>
-                        </m:ctrlPr>
-                      </m:sSubPr>
-                      <m:e>
-                        <m:r>
-                          <a:rPr lang="en-US" sz="2000" i="1">
-                            <a:solidFill>
-                              <a:schemeClr val="tx1">
-                                <a:lumMod val="75000"/>
-                                <a:lumOff val="25000"/>
-                              </a:schemeClr>
-                            </a:solidFill>
-                            <a:latin typeface="Cambria Math" panose="02040503050406030204" pitchFamily="18" charset="0"/>
-                            <a:ea typeface="Cambria Math" panose="02040503050406030204" pitchFamily="18" charset="0"/>
-                            <a:sym typeface="Rambla"/>
-                          </a:rPr>
-                          <m:t>𝜀</m:t>
-                        </m:r>
-                      </m:e>
-                      <m:sub>
-                        <m:r>
-                          <a:rPr lang="en-US" sz="2000" i="1">
-                            <a:solidFill>
-                              <a:schemeClr val="tx1">
-                                <a:lumMod val="75000"/>
-                                <a:lumOff val="25000"/>
-                              </a:schemeClr>
-                            </a:solidFill>
-                            <a:latin typeface="Cambria Math" panose="02040503050406030204" pitchFamily="18" charset="0"/>
-                            <a:ea typeface="Cambria Math" panose="02040503050406030204" pitchFamily="18" charset="0"/>
-                            <a:sym typeface="Rambla"/>
-                          </a:rPr>
-                          <m:t>𝑖</m:t>
-                        </m:r>
-                      </m:sub>
-                    </m:sSub>
-                  </m:oMath>
-                </a14:m>
-                <a:r>
-                  <a:rPr lang="en-US" sz="2000" dirty="0">
-                    <a:solidFill>
-                      <a:schemeClr val="tx1">
-                        <a:lumMod val="75000"/>
-                        <a:lumOff val="25000"/>
-                      </a:schemeClr>
-                    </a:solidFill>
-                    <a:sym typeface="Rambla"/>
-                  </a:rPr>
-                  <a:t>) is not constant across observations</a:t>
-                </a:r>
-              </a:p>
-              <a:p>
-                <a:pPr marL="763200" lvl="1" indent="-306000">
-                  <a:spcBef>
-                    <a:spcPct val="20000"/>
-                  </a:spcBef>
-                  <a:spcAft>
-                    <a:spcPts val="600"/>
-                  </a:spcAft>
-                  <a:buClr>
-                    <a:schemeClr val="accent1"/>
-                  </a:buClr>
-                  <a:buSzPct val="92000"/>
-                  <a:buFont typeface="Wingdings 2" panose="05020102010507070707" pitchFamily="18" charset="2"/>
-                  <a:buChar char=""/>
-                </a:pPr>
-                <a:r>
-                  <a:rPr lang="en-US" sz="2000" dirty="0">
-                    <a:solidFill>
-                      <a:schemeClr val="tx1">
-                        <a:lumMod val="75000"/>
-                        <a:lumOff val="25000"/>
-                      </a:schemeClr>
-                    </a:solidFill>
-                    <a:sym typeface="Rambla"/>
-                  </a:rPr>
-                  <a:t>Look for a “fan” or “cone” shape </a:t>
-                </a:r>
-                <a:r>
-                  <a:rPr lang="en-US" altLang="zh-CN" sz="2000" dirty="0">
-                    <a:solidFill>
-                      <a:schemeClr val="tx1">
-                        <a:lumMod val="75000"/>
-                        <a:lumOff val="25000"/>
-                      </a:schemeClr>
-                    </a:solidFill>
-                    <a:sym typeface="Rambla"/>
-                  </a:rPr>
-                  <a:t>in Residual vs. Predicted Values Plot</a:t>
-                </a:r>
-              </a:p>
-            </p:txBody>
-          </p:sp>
-        </mc:Choice>
-        <mc:Fallback>
-          <p:sp>
-            <p:nvSpPr>
-              <p:cNvPr id="5" name="TextBox 4">
-                <a:extLst>
-                  <a:ext uri="{FF2B5EF4-FFF2-40B4-BE49-F238E27FC236}">
-                    <a16:creationId xmlns:a16="http://schemas.microsoft.com/office/drawing/2014/main" id="{2907EF87-BCF5-6550-6E80-B25243304602}"/>
-                  </a:ext>
-                </a:extLst>
-              </p:cNvPr>
-              <p:cNvSpPr txBox="1">
-                <a:spLocks noRot="1" noChangeAspect="1" noMove="1" noResize="1" noEditPoints="1" noAdjustHandles="1" noChangeArrowheads="1" noChangeShapeType="1" noTextEdit="1"/>
-              </p:cNvSpPr>
-              <p:nvPr/>
-            </p:nvSpPr>
-            <p:spPr>
-              <a:xfrm>
-                <a:off x="242701" y="3915540"/>
-                <a:ext cx="6081099" cy="2354491"/>
-              </a:xfrm>
-              <a:prstGeom prst="rect">
-                <a:avLst/>
-              </a:prstGeom>
-              <a:blipFill>
-                <a:blip r:embed="rId3"/>
-                <a:stretch>
-                  <a:fillRect l="-602" t="-1034" r="-1505" b="-3618"/>
-                </a:stretch>
-              </a:blipFill>
-            </p:spPr>
-            <p:txBody>
-              <a:bodyPr/>
-              <a:lstStyle/>
-              <a:p>
-                <a:r>
-                  <a:rPr lang="en-US">
-                    <a:noFill/>
-                  </a:rPr>
-                  <a:t> </a:t>
-                </a:r>
-              </a:p>
-            </p:txBody>
-          </p:sp>
-        </mc:Fallback>
-      </mc:AlternateContent>
-      <mc:AlternateContent xmlns:mc="http://schemas.openxmlformats.org/markup-compatibility/2006">
-        <mc:Choice xmlns:a14="http://schemas.microsoft.com/office/drawing/2010/main" Requires="a14">
-          <p:sp>
-            <p:nvSpPr>
-              <p:cNvPr id="3" name="TextBox 2">
-                <a:extLst>
-                  <a:ext uri="{FF2B5EF4-FFF2-40B4-BE49-F238E27FC236}">
-                    <a16:creationId xmlns:a16="http://schemas.microsoft.com/office/drawing/2014/main" id="{0B560BF3-0DD1-5905-BD6F-FDABBA9E8A44}"/>
-                  </a:ext>
-                </a:extLst>
-              </p:cNvPr>
-              <p:cNvSpPr txBox="1"/>
-              <p:nvPr/>
-            </p:nvSpPr>
-            <p:spPr>
-              <a:xfrm>
-                <a:off x="581192" y="1474287"/>
-                <a:ext cx="6094476" cy="879664"/>
-              </a:xfrm>
-              <a:prstGeom prst="rect">
-                <a:avLst/>
-              </a:prstGeom>
-              <a:noFill/>
-            </p:spPr>
-            <p:txBody>
-              <a:bodyPr wrap="square">
-                <a:spAutoFit/>
-              </a:bodyPr>
-              <a:lstStyle/>
-              <a:p>
-                <a:pPr marL="285750" indent="-285750">
-                  <a:lnSpc>
-                    <a:spcPct val="150000"/>
-                  </a:lnSpc>
-                  <a:buFont typeface="Arial" panose="020B0604020202020204" pitchFamily="34" charset="0"/>
-                  <a:buChar char="•"/>
-                </a:pPr>
-                <a:r>
-                  <a:rPr lang="en-US" altLang="zh-CN" dirty="0" smtClean="0"/>
-                  <a:t>Homoscedasticity:</a:t>
-                </a:r>
-                <a14:m>
-                  <m:oMath xmlns:m="http://schemas.openxmlformats.org/officeDocument/2006/math">
-                    <m:r>
-                      <a:rPr lang="en-US" altLang="zh-CN" b="0" i="0" smtClean="0">
-                        <a:latin typeface="Cambria Math" panose="02040503050406030204" pitchFamily="18" charset="0"/>
-                      </a:rPr>
-                      <m:t>    </m:t>
-                    </m:r>
-                    <m:r>
-                      <a:rPr lang="en-US" altLang="zh-CN" b="0" i="1" smtClean="0">
-                        <a:latin typeface="Cambria Math" panose="02040503050406030204" pitchFamily="18" charset="0"/>
-                      </a:rPr>
-                      <m:t>𝑉𝑎𝑟</m:t>
-                    </m:r>
-                    <m:d>
-                      <m:dPr>
-                        <m:ctrlPr>
-                          <a:rPr lang="en-US" altLang="zh-CN" b="0" i="1" smtClean="0">
-                            <a:latin typeface="Cambria Math" panose="02040503050406030204" pitchFamily="18" charset="0"/>
-                          </a:rPr>
-                        </m:ctrlPr>
-                      </m:dPr>
-                      <m:e>
-                        <m:r>
-                          <a:rPr lang="en-US" altLang="zh-CN" b="0" i="1" smtClean="0">
-                            <a:latin typeface="Cambria Math" panose="02040503050406030204" pitchFamily="18" charset="0"/>
-                            <a:ea typeface="Cambria Math" panose="02040503050406030204" pitchFamily="18" charset="0"/>
-                          </a:rPr>
-                          <m:t>𝜀</m:t>
-                        </m:r>
-                      </m:e>
-                    </m:d>
-                    <m:r>
-                      <a:rPr lang="en-US" altLang="zh-CN" b="0" i="1" smtClean="0">
-                        <a:latin typeface="Cambria Math" panose="02040503050406030204" pitchFamily="18" charset="0"/>
-                      </a:rPr>
-                      <m:t>=</m:t>
-                    </m:r>
-                    <m:r>
-                      <a:rPr lang="en-US" altLang="zh-CN" b="0" i="1" smtClean="0">
-                        <a:latin typeface="Cambria Math" panose="02040503050406030204" pitchFamily="18" charset="0"/>
-                      </a:rPr>
-                      <m:t>𝑐</m:t>
-                    </m:r>
-                    <m:r>
-                      <a:rPr lang="en-US" altLang="zh-CN" b="0" i="0" smtClean="0">
-                        <a:latin typeface="Cambria Math" panose="02040503050406030204" pitchFamily="18" charset="0"/>
-                      </a:rPr>
-                      <m:t> </m:t>
-                    </m:r>
-                    <m:d>
-                      <m:dPr>
-                        <m:ctrlPr>
-                          <a:rPr lang="en-US" altLang="zh-CN" b="0" i="0" smtClean="0">
-                            <a:latin typeface="Cambria Math" panose="02040503050406030204" pitchFamily="18" charset="0"/>
-                          </a:rPr>
-                        </m:ctrlPr>
-                      </m:dPr>
-                      <m:e>
-                        <m:r>
-                          <m:rPr>
-                            <m:sty m:val="p"/>
-                          </m:rPr>
-                          <a:rPr lang="en-US" altLang="zh-CN" b="0" i="0" smtClean="0">
-                            <a:latin typeface="Cambria Math" panose="02040503050406030204" pitchFamily="18" charset="0"/>
-                          </a:rPr>
-                          <m:t>constant</m:t>
-                        </m:r>
-                      </m:e>
-                    </m:d>
-                  </m:oMath>
-                </a14:m>
-                <a:endParaRPr lang="en-US" altLang="zh-CN" b="0" dirty="0" smtClean="0"/>
-              </a:p>
-              <a:p>
-                <a:pPr marL="285750" indent="-285750">
-                  <a:lnSpc>
-                    <a:spcPct val="150000"/>
-                  </a:lnSpc>
-                  <a:buFont typeface="Arial" panose="020B0604020202020204" pitchFamily="34" charset="0"/>
-                  <a:buChar char="•"/>
-                </a:pPr>
-                <a:r>
-                  <a:rPr lang="en-US" altLang="zh-CN" dirty="0" smtClean="0"/>
-                  <a:t>Heteroscedasticity: </a:t>
-                </a:r>
-                <a14:m>
-                  <m:oMath xmlns:m="http://schemas.openxmlformats.org/officeDocument/2006/math">
-                    <m:r>
-                      <a:rPr lang="en-US" altLang="zh-CN" b="0" i="0" smtClean="0">
-                        <a:latin typeface="Cambria Math" panose="02040503050406030204" pitchFamily="18" charset="0"/>
-                      </a:rPr>
-                      <m:t> </m:t>
-                    </m:r>
-                    <m:r>
-                      <a:rPr lang="en-US" altLang="zh-CN" i="1">
-                        <a:latin typeface="Cambria Math" panose="02040503050406030204" pitchFamily="18" charset="0"/>
-                      </a:rPr>
-                      <m:t>𝑉𝑎𝑟</m:t>
-                    </m:r>
-                    <m:d>
-                      <m:dPr>
-                        <m:ctrlPr>
-                          <a:rPr lang="en-US" altLang="zh-CN" i="1">
-                            <a:latin typeface="Cambria Math" panose="02040503050406030204" pitchFamily="18" charset="0"/>
-                          </a:rPr>
-                        </m:ctrlPr>
-                      </m:dPr>
-                      <m:e>
-                        <m:r>
-                          <a:rPr lang="en-US" altLang="zh-CN" i="1">
-                            <a:latin typeface="Cambria Math" panose="02040503050406030204" pitchFamily="18" charset="0"/>
-                            <a:ea typeface="Cambria Math" panose="02040503050406030204" pitchFamily="18" charset="0"/>
-                          </a:rPr>
-                          <m:t>𝜀</m:t>
-                        </m:r>
-                      </m:e>
-                    </m:d>
-                    <m:r>
-                      <a:rPr lang="en-US" altLang="zh-CN" b="0" i="1" smtClean="0">
-                        <a:latin typeface="Cambria Math" panose="02040503050406030204" pitchFamily="18" charset="0"/>
-                        <a:ea typeface="Cambria Math" panose="02040503050406030204" pitchFamily="18" charset="0"/>
-                      </a:rPr>
-                      <m:t>  ≠</m:t>
-                    </m:r>
-                    <m:r>
-                      <a:rPr lang="en-US" altLang="zh-CN" i="1">
-                        <a:latin typeface="Cambria Math" panose="02040503050406030204" pitchFamily="18" charset="0"/>
-                      </a:rPr>
-                      <m:t>𝑐</m:t>
-                    </m:r>
-                    <m:r>
-                      <a:rPr lang="en-US" altLang="zh-CN">
-                        <a:latin typeface="Cambria Math" panose="02040503050406030204" pitchFamily="18" charset="0"/>
-                      </a:rPr>
-                      <m:t> </m:t>
-                    </m:r>
-                    <m:d>
-                      <m:dPr>
-                        <m:ctrlPr>
-                          <a:rPr lang="en-US" altLang="zh-CN" i="1">
-                            <a:latin typeface="Cambria Math" panose="02040503050406030204" pitchFamily="18" charset="0"/>
-                          </a:rPr>
-                        </m:ctrlPr>
-                      </m:dPr>
-                      <m:e>
-                        <m:r>
-                          <m:rPr>
-                            <m:sty m:val="p"/>
-                          </m:rPr>
-                          <a:rPr lang="en-US" altLang="zh-CN">
-                            <a:latin typeface="Cambria Math" panose="02040503050406030204" pitchFamily="18" charset="0"/>
-                          </a:rPr>
-                          <m:t>constant</m:t>
-                        </m:r>
-                      </m:e>
-                    </m:d>
-                  </m:oMath>
-                </a14:m>
-                <a:endParaRPr lang="en-US" altLang="zh-CN" dirty="0"/>
-              </a:p>
-            </p:txBody>
-          </p:sp>
-        </mc:Choice>
-        <mc:Fallback>
-          <p:sp>
-            <p:nvSpPr>
-              <p:cNvPr id="3" name="TextBox 2">
-                <a:extLst>
-                  <a:ext uri="{FF2B5EF4-FFF2-40B4-BE49-F238E27FC236}">
-                    <a16:creationId xmlns:a16="http://schemas.microsoft.com/office/drawing/2014/main" id="{0B560BF3-0DD1-5905-BD6F-FDABBA9E8A44}"/>
-                  </a:ext>
-                </a:extLst>
-              </p:cNvPr>
-              <p:cNvSpPr txBox="1">
-                <a:spLocks noRot="1" noChangeAspect="1" noMove="1" noResize="1" noEditPoints="1" noAdjustHandles="1" noChangeArrowheads="1" noChangeShapeType="1" noTextEdit="1"/>
-              </p:cNvSpPr>
-              <p:nvPr/>
-            </p:nvSpPr>
-            <p:spPr>
-              <a:xfrm>
-                <a:off x="581192" y="1474287"/>
-                <a:ext cx="6094476" cy="879664"/>
-              </a:xfrm>
-              <a:prstGeom prst="rect">
-                <a:avLst/>
-              </a:prstGeom>
-              <a:blipFill>
-                <a:blip r:embed="rId4"/>
-                <a:stretch>
-                  <a:fillRect l="-600" b="-10417"/>
-                </a:stretch>
-              </a:blipFill>
-            </p:spPr>
-            <p:txBody>
-              <a:bodyPr/>
-              <a:lstStyle/>
-              <a:p>
-                <a:r>
-                  <a:rPr lang="en-US">
-                    <a:noFill/>
-                  </a:rPr>
-                  <a:t> </a:t>
-                </a:r>
-              </a:p>
-            </p:txBody>
-          </p:sp>
-        </mc:Fallback>
-      </mc:AlternateContent>
-      <p:sp>
-        <p:nvSpPr>
-          <p:cNvPr id="2" name="TextBox 1"/>
-          <p:cNvSpPr txBox="1"/>
-          <p:nvPr/>
-        </p:nvSpPr>
-        <p:spPr>
-          <a:xfrm>
-            <a:off x="581192" y="2756028"/>
-            <a:ext cx="5222631" cy="646331"/>
-          </a:xfrm>
-          <a:prstGeom prst="rect">
-            <a:avLst/>
-          </a:prstGeom>
-          <a:noFill/>
-        </p:spPr>
-        <p:txBody>
-          <a:bodyPr wrap="square" rtlCol="0">
-            <a:spAutoFit/>
-          </a:bodyPr>
-          <a:lstStyle/>
-          <a:p>
-            <a:r>
-              <a:rPr lang="en-US" dirty="0" smtClean="0"/>
-              <a:t>The standard errors, confidence intervals, and hypothesis tests reply upon this assumption</a:t>
-            </a:r>
-            <a:endParaRPr lang="en-US" dirty="0"/>
-          </a:p>
-        </p:txBody>
-      </p:sp>
-    </p:spTree>
-    <p:extLst>
-      <p:ext uri="{BB962C8B-B14F-4D97-AF65-F5344CB8AC3E}">
-        <p14:creationId xmlns:p14="http://schemas.microsoft.com/office/powerpoint/2010/main" val="1210193911"/>
-      </p:ext>
-    </p:extLst>
-  </p:cSld>
-  <p:clrMapOvr>
-    <a:masterClrMapping/>
-  </p:clrMapOvr>
 </p:sld>
 </file>
 
@@ -20775,20 +20847,20 @@
 </file>
 
 <file path=customXml/item1.xml><?xml version="1.0" encoding="utf-8"?>
-<p:properties xmlns:p="http://schemas.microsoft.com/office/2006/metadata/properties" xmlns:xsi="http://www.w3.org/2001/XMLSchema-instance" xmlns:pc="http://schemas.microsoft.com/office/infopath/2007/PartnerControls">
-  <documentManagement>
-    <_activity xmlns="8568f56f-95be-480d-9847-691e388c16c7" xsi:nil="true"/>
-  </documentManagement>
-</p:properties>
-</file>
-
-<file path=customXml/item2.xml><?xml version="1.0" encoding="utf-8"?>
 <?mso-contentType ?>
 <FormTemplates xmlns="http://schemas.microsoft.com/sharepoint/v3/contenttype/forms">
   <Display>DocumentLibraryForm</Display>
   <Edit>DocumentLibraryForm</Edit>
   <New>DocumentLibraryForm</New>
 </FormTemplates>
+</file>
+
+<file path=customXml/item2.xml><?xml version="1.0" encoding="utf-8"?>
+<p:properties xmlns:p="http://schemas.microsoft.com/office/2006/metadata/properties" xmlns:xsi="http://www.w3.org/2001/XMLSchema-instance" xmlns:pc="http://schemas.microsoft.com/office/infopath/2007/PartnerControls">
+  <documentManagement>
+    <_activity xmlns="8568f56f-95be-480d-9847-691e388c16c7" xsi:nil="true"/>
+  </documentManagement>
+</p:properties>
 </file>
 
 <file path=customXml/item3.xml><?xml version="1.0" encoding="utf-8"?>
@@ -21039,6 +21111,14 @@
 </file>
 
 <file path=customXml/itemProps1.xml><?xml version="1.0" encoding="utf-8"?>
+<ds:datastoreItem xmlns:ds="http://schemas.openxmlformats.org/officeDocument/2006/customXml" ds:itemID="{DF77006A-693A-4CB1-AAAC-65D17757C730}">
+  <ds:schemaRefs>
+    <ds:schemaRef ds:uri="http://schemas.microsoft.com/sharepoint/v3/contenttype/forms"/>
+  </ds:schemaRefs>
+</ds:datastoreItem>
+</file>
+
+<file path=customXml/itemProps2.xml><?xml version="1.0" encoding="utf-8"?>
 <ds:datastoreItem xmlns:ds="http://schemas.openxmlformats.org/officeDocument/2006/customXml" ds:itemID="{64926E09-10F9-4908-B49D-70144A5FC6EA}">
   <ds:schemaRefs>
     <ds:schemaRef ds:uri="http://purl.org/dc/elements/1.1/"/>
@@ -21051,14 +21131,6 @@
     <ds:schemaRef ds:uri="55df151c-6499-4cc8-98d3-d565bf78f430"/>
     <ds:schemaRef ds:uri="8568f56f-95be-480d-9847-691e388c16c7"/>
     <ds:schemaRef ds:uri="http://www.w3.org/XML/1998/namespace"/>
-  </ds:schemaRefs>
-</ds:datastoreItem>
-</file>
-
-<file path=customXml/itemProps2.xml><?xml version="1.0" encoding="utf-8"?>
-<ds:datastoreItem xmlns:ds="http://schemas.openxmlformats.org/officeDocument/2006/customXml" ds:itemID="{DF77006A-693A-4CB1-AAAC-65D17757C730}">
-  <ds:schemaRefs>
-    <ds:schemaRef ds:uri="http://schemas.microsoft.com/sharepoint/v3/contenttype/forms"/>
   </ds:schemaRefs>
 </ds:datastoreItem>
 </file>
